--- a/S4_Session4.pptx
+++ b/S4_Session4.pptx
@@ -5,15 +5,17 @@
     <p:sldMasterId id="2147483648" r:id="rId1"/>
   </p:sldMasterIdLst>
   <p:notesMasterIdLst>
-    <p:notesMasterId r:id="rId8"/>
+    <p:notesMasterId r:id="rId10"/>
   </p:notesMasterIdLst>
   <p:sldIdLst>
     <p:sldId id="266" r:id="rId2"/>
-    <p:sldId id="267" r:id="rId3"/>
-    <p:sldId id="268" r:id="rId4"/>
-    <p:sldId id="269" r:id="rId5"/>
-    <p:sldId id="270" r:id="rId6"/>
-    <p:sldId id="271" r:id="rId7"/>
+    <p:sldId id="273" r:id="rId3"/>
+    <p:sldId id="267" r:id="rId4"/>
+    <p:sldId id="268" r:id="rId5"/>
+    <p:sldId id="269" r:id="rId6"/>
+    <p:sldId id="270" r:id="rId7"/>
+    <p:sldId id="271" r:id="rId8"/>
+    <p:sldId id="272" r:id="rId9"/>
   </p:sldIdLst>
   <p:sldSz cx="12192000" cy="6858000"/>
   <p:notesSz cx="6858000" cy="9144000"/>
@@ -202,7 +204,7 @@
           <a:p>
             <a:fld id="{1B71BF1F-0C4B-4593-A437-C3C7C8CBA846}" type="datetimeFigureOut">
               <a:rPr lang="LID4096" smtClean="0"/>
-              <a:t>09/23/2024</a:t>
+              <a:t>09/29/2024</a:t>
             </a:fld>
             <a:endParaRPr lang="LID4096"/>
           </a:p>
@@ -619,7 +621,7 @@
           <a:p>
             <a:fld id="{6CAD0839-69FC-4763-B8AC-78CF5951DDEE}" type="datetimeFigureOut">
               <a:rPr lang="LID4096" smtClean="0"/>
-              <a:t>09/23/2024</a:t>
+              <a:t>09/29/2024</a:t>
             </a:fld>
             <a:endParaRPr lang="LID4096"/>
           </a:p>
@@ -819,7 +821,7 @@
           <a:p>
             <a:fld id="{6CAD0839-69FC-4763-B8AC-78CF5951DDEE}" type="datetimeFigureOut">
               <a:rPr lang="LID4096" smtClean="0"/>
-              <a:t>09/23/2024</a:t>
+              <a:t>09/29/2024</a:t>
             </a:fld>
             <a:endParaRPr lang="LID4096"/>
           </a:p>
@@ -1029,7 +1031,7 @@
           <a:p>
             <a:fld id="{6CAD0839-69FC-4763-B8AC-78CF5951DDEE}" type="datetimeFigureOut">
               <a:rPr lang="LID4096" smtClean="0"/>
-              <a:t>09/23/2024</a:t>
+              <a:t>09/29/2024</a:t>
             </a:fld>
             <a:endParaRPr lang="LID4096"/>
           </a:p>
@@ -1229,7 +1231,7 @@
           <a:p>
             <a:fld id="{6CAD0839-69FC-4763-B8AC-78CF5951DDEE}" type="datetimeFigureOut">
               <a:rPr lang="LID4096" smtClean="0"/>
-              <a:t>09/23/2024</a:t>
+              <a:t>09/29/2024</a:t>
             </a:fld>
             <a:endParaRPr lang="LID4096"/>
           </a:p>
@@ -1505,7 +1507,7 @@
           <a:p>
             <a:fld id="{6CAD0839-69FC-4763-B8AC-78CF5951DDEE}" type="datetimeFigureOut">
               <a:rPr lang="LID4096" smtClean="0"/>
-              <a:t>09/23/2024</a:t>
+              <a:t>09/29/2024</a:t>
             </a:fld>
             <a:endParaRPr lang="LID4096"/>
           </a:p>
@@ -1773,7 +1775,7 @@
           <a:p>
             <a:fld id="{6CAD0839-69FC-4763-B8AC-78CF5951DDEE}" type="datetimeFigureOut">
               <a:rPr lang="LID4096" smtClean="0"/>
-              <a:t>09/23/2024</a:t>
+              <a:t>09/29/2024</a:t>
             </a:fld>
             <a:endParaRPr lang="LID4096"/>
           </a:p>
@@ -2188,7 +2190,7 @@
           <a:p>
             <a:fld id="{6CAD0839-69FC-4763-B8AC-78CF5951DDEE}" type="datetimeFigureOut">
               <a:rPr lang="LID4096" smtClean="0"/>
-              <a:t>09/23/2024</a:t>
+              <a:t>09/29/2024</a:t>
             </a:fld>
             <a:endParaRPr lang="LID4096"/>
           </a:p>
@@ -2330,7 +2332,7 @@
           <a:p>
             <a:fld id="{6CAD0839-69FC-4763-B8AC-78CF5951DDEE}" type="datetimeFigureOut">
               <a:rPr lang="LID4096" smtClean="0"/>
-              <a:t>09/23/2024</a:t>
+              <a:t>09/29/2024</a:t>
             </a:fld>
             <a:endParaRPr lang="LID4096"/>
           </a:p>
@@ -2443,7 +2445,7 @@
           <a:p>
             <a:fld id="{6CAD0839-69FC-4763-B8AC-78CF5951DDEE}" type="datetimeFigureOut">
               <a:rPr lang="LID4096" smtClean="0"/>
-              <a:t>09/23/2024</a:t>
+              <a:t>09/29/2024</a:t>
             </a:fld>
             <a:endParaRPr lang="LID4096"/>
           </a:p>
@@ -2756,7 +2758,7 @@
           <a:p>
             <a:fld id="{6CAD0839-69FC-4763-B8AC-78CF5951DDEE}" type="datetimeFigureOut">
               <a:rPr lang="LID4096" smtClean="0"/>
-              <a:t>09/23/2024</a:t>
+              <a:t>09/29/2024</a:t>
             </a:fld>
             <a:endParaRPr lang="LID4096"/>
           </a:p>
@@ -3045,7 +3047,7 @@
           <a:p>
             <a:fld id="{6CAD0839-69FC-4763-B8AC-78CF5951DDEE}" type="datetimeFigureOut">
               <a:rPr lang="LID4096" smtClean="0"/>
-              <a:t>09/23/2024</a:t>
+              <a:t>09/29/2024</a:t>
             </a:fld>
             <a:endParaRPr lang="LID4096"/>
           </a:p>
@@ -3288,7 +3290,7 @@
           <a:p>
             <a:fld id="{6CAD0839-69FC-4763-B8AC-78CF5951DDEE}" type="datetimeFigureOut">
               <a:rPr lang="LID4096" smtClean="0"/>
-              <a:t>09/23/2024</a:t>
+              <a:t>09/29/2024</a:t>
             </a:fld>
             <a:endParaRPr lang="LID4096"/>
           </a:p>
@@ -3810,6 +3812,95 @@
           <a:chExt cx="0" cy="0"/>
         </a:xfrm>
       </p:grpSpPr>
+      <p:sp>
+        <p:nvSpPr>
+          <p:cNvPr id="2" name="TextBox 1">
+            <a:extLst>
+              <a:ext uri="{FF2B5EF4-FFF2-40B4-BE49-F238E27FC236}">
+                <a16:creationId xmlns:a16="http://schemas.microsoft.com/office/drawing/2014/main" id="{738ACA54-D23B-4CA2-8237-C72A23268198}"/>
+              </a:ext>
+            </a:extLst>
+          </p:cNvPr>
+          <p:cNvSpPr txBox="1"/>
+          <p:nvPr/>
+        </p:nvSpPr>
+        <p:spPr>
+          <a:xfrm>
+            <a:off x="1274286" y="1092840"/>
+            <a:ext cx="8916316" cy="1342034"/>
+          </a:xfrm>
+          <a:prstGeom prst="rect">
+            <a:avLst/>
+          </a:prstGeom>
+          <a:noFill/>
+        </p:spPr>
+        <p:txBody>
+          <a:bodyPr wrap="square" rtlCol="0">
+            <a:spAutoFit/>
+          </a:bodyPr>
+          <a:lstStyle/>
+          <a:p>
+            <a:pPr>
+              <a:lnSpc>
+                <a:spcPct val="150000"/>
+              </a:lnSpc>
+            </a:pPr>
+            <a:r>
+              <a:rPr lang="en-US" sz="2000" b="1" dirty="0"/>
+              <a:t>Reminder</a:t>
+            </a:r>
+            <a:br>
+              <a:rPr lang="en-US" dirty="0"/>
+            </a:br>
+            <a:r>
+              <a:rPr lang="en-US" dirty="0"/>
+              <a:t>what is the purpose of machine learning?</a:t>
+            </a:r>
+          </a:p>
+          <a:p>
+            <a:pPr>
+              <a:lnSpc>
+                <a:spcPct val="150000"/>
+              </a:lnSpc>
+            </a:pPr>
+            <a:r>
+              <a:rPr lang="en-US" dirty="0"/>
+              <a:t>Finding the patterns and predicting what happens for the new data</a:t>
+            </a:r>
+            <a:endParaRPr lang="LID4096" dirty="0"/>
+          </a:p>
+        </p:txBody>
+      </p:sp>
+    </p:spTree>
+    <p:extLst>
+      <p:ext uri="{BB962C8B-B14F-4D97-AF65-F5344CB8AC3E}">
+        <p14:creationId xmlns:p14="http://schemas.microsoft.com/office/powerpoint/2010/main" val="4158028613"/>
+      </p:ext>
+    </p:extLst>
+  </p:cSld>
+  <p:clrMapOvr>
+    <a:masterClrMapping/>
+  </p:clrMapOvr>
+</p:sld>
+</file>
+
+<file path=ppt/slides/slide3.xml><?xml version="1.0" encoding="utf-8"?>
+<p:sld xmlns:a="http://schemas.openxmlformats.org/drawingml/2006/main" xmlns:r="http://schemas.openxmlformats.org/officeDocument/2006/relationships" xmlns:p="http://schemas.openxmlformats.org/presentationml/2006/main">
+  <p:cSld>
+    <p:spTree>
+      <p:nvGrpSpPr>
+        <p:cNvPr id="1" name=""/>
+        <p:cNvGrpSpPr/>
+        <p:nvPr/>
+      </p:nvGrpSpPr>
+      <p:grpSpPr>
+        <a:xfrm>
+          <a:off x="0" y="0"/>
+          <a:ext cx="0" cy="0"/>
+          <a:chOff x="0" y="0"/>
+          <a:chExt cx="0" cy="0"/>
+        </a:xfrm>
+      </p:grpSpPr>
       <p:cxnSp>
         <p:nvCxnSpPr>
           <p:cNvPr id="3" name="Straight Arrow Connector 2">
@@ -5085,8 +5176,8 @@
           </a:fontRef>
         </p:style>
       </p:cxnSp>
-      <mc:AlternateContent xmlns:mc="http://schemas.openxmlformats.org/markup-compatibility/2006">
-        <mc:Choice xmlns:a14="http://schemas.microsoft.com/office/drawing/2010/main" Requires="a14">
+      <mc:AlternateContent xmlns:mc="http://schemas.openxmlformats.org/markup-compatibility/2006" xmlns:a14="http://schemas.microsoft.com/office/drawing/2010/main">
+        <mc:Choice Requires="a14">
           <p:sp>
             <p:nvSpPr>
               <p:cNvPr id="40" name="TextBox 39">
@@ -5115,6 +5206,7 @@
               </a:bodyPr>
               <a:lstStyle/>
               <a:p>
+                <a:pPr/>
                 <a14:m>
                   <m:oMathPara xmlns:m="http://schemas.openxmlformats.org/officeDocument/2006/math">
                     <m:oMathParaPr>
@@ -5154,7 +5246,7 @@
             </p:txBody>
           </p:sp>
         </mc:Choice>
-        <mc:Fallback>
+        <mc:Fallback xmlns="">
           <p:sp>
             <p:nvSpPr>
               <p:cNvPr id="40" name="TextBox 39">
@@ -5199,8 +5291,8 @@
           </p:sp>
         </mc:Fallback>
       </mc:AlternateContent>
-      <mc:AlternateContent xmlns:mc="http://schemas.openxmlformats.org/markup-compatibility/2006">
-        <mc:Choice xmlns:a14="http://schemas.microsoft.com/office/drawing/2010/main" Requires="a14">
+      <mc:AlternateContent xmlns:mc="http://schemas.openxmlformats.org/markup-compatibility/2006" xmlns:a14="http://schemas.microsoft.com/office/drawing/2010/main">
+        <mc:Choice Requires="a14">
           <p:sp>
             <p:nvSpPr>
               <p:cNvPr id="41" name="TextBox 40">
@@ -5229,6 +5321,7 @@
               </a:bodyPr>
               <a:lstStyle/>
               <a:p>
+                <a:pPr/>
                 <a14:m>
                   <m:oMathPara xmlns:m="http://schemas.openxmlformats.org/officeDocument/2006/math">
                     <m:oMathParaPr>
@@ -5268,7 +5361,7 @@
             </p:txBody>
           </p:sp>
         </mc:Choice>
-        <mc:Fallback>
+        <mc:Fallback xmlns="">
           <p:sp>
             <p:nvSpPr>
               <p:cNvPr id="41" name="TextBox 40">
@@ -5354,8 +5447,8 @@
           </a:fontRef>
         </p:style>
       </p:cxnSp>
-      <mc:AlternateContent xmlns:mc="http://schemas.openxmlformats.org/markup-compatibility/2006">
-        <mc:Choice xmlns:a14="http://schemas.microsoft.com/office/drawing/2010/main" Requires="a14">
+      <mc:AlternateContent xmlns:mc="http://schemas.openxmlformats.org/markup-compatibility/2006" xmlns:a14="http://schemas.microsoft.com/office/drawing/2010/main">
+        <mc:Choice Requires="a14">
           <p:sp>
             <p:nvSpPr>
               <p:cNvPr id="44" name="TextBox 43">
@@ -5384,6 +5477,7 @@
               </a:bodyPr>
               <a:lstStyle/>
               <a:p>
+                <a:pPr/>
                 <a14:m>
                   <m:oMathPara xmlns:m="http://schemas.openxmlformats.org/officeDocument/2006/math">
                     <m:oMathParaPr>
@@ -5435,7 +5529,7 @@
             </p:txBody>
           </p:sp>
         </mc:Choice>
-        <mc:Fallback>
+        <mc:Fallback xmlns="">
           <p:sp>
             <p:nvSpPr>
               <p:cNvPr id="44" name="TextBox 43">
@@ -5480,8 +5574,8 @@
           </p:sp>
         </mc:Fallback>
       </mc:AlternateContent>
-      <mc:AlternateContent xmlns:mc="http://schemas.openxmlformats.org/markup-compatibility/2006">
-        <mc:Choice xmlns:a14="http://schemas.microsoft.com/office/drawing/2010/main" Requires="a14">
+      <mc:AlternateContent xmlns:mc="http://schemas.openxmlformats.org/markup-compatibility/2006" xmlns:a14="http://schemas.microsoft.com/office/drawing/2010/main">
+        <mc:Choice Requires="a14">
           <p:sp>
             <p:nvSpPr>
               <p:cNvPr id="45" name="TextBox 44">
@@ -5510,6 +5604,7 @@
               </a:bodyPr>
               <a:lstStyle/>
               <a:p>
+                <a:pPr/>
                 <a14:m>
                   <m:oMathPara xmlns:m="http://schemas.openxmlformats.org/officeDocument/2006/math">
                     <m:oMathParaPr>
@@ -5622,7 +5717,7 @@
             </p:txBody>
           </p:sp>
         </mc:Choice>
-        <mc:Fallback>
+        <mc:Fallback xmlns="">
           <p:sp>
             <p:nvSpPr>
               <p:cNvPr id="45" name="TextBox 44">
@@ -5667,8 +5762,8 @@
           </p:sp>
         </mc:Fallback>
       </mc:AlternateContent>
-      <mc:AlternateContent xmlns:mc="http://schemas.openxmlformats.org/markup-compatibility/2006">
-        <mc:Choice xmlns:a14="http://schemas.microsoft.com/office/drawing/2010/main" Requires="a14">
+      <mc:AlternateContent xmlns:mc="http://schemas.openxmlformats.org/markup-compatibility/2006" xmlns:a14="http://schemas.microsoft.com/office/drawing/2010/main">
+        <mc:Choice Requires="a14">
           <p:sp>
             <p:nvSpPr>
               <p:cNvPr id="46" name="TextBox 45">
@@ -5697,6 +5792,7 @@
               </a:bodyPr>
               <a:lstStyle/>
               <a:p>
+                <a:pPr/>
                 <a14:m>
                   <m:oMathPara xmlns:m="http://schemas.openxmlformats.org/officeDocument/2006/math">
                     <m:oMathParaPr>
@@ -5805,7 +5901,7 @@
             </p:txBody>
           </p:sp>
         </mc:Choice>
-        <mc:Fallback>
+        <mc:Fallback xmlns="">
           <p:sp>
             <p:nvSpPr>
               <p:cNvPr id="46" name="TextBox 45">
@@ -5850,8 +5946,8 @@
           </p:sp>
         </mc:Fallback>
       </mc:AlternateContent>
-      <mc:AlternateContent xmlns:mc="http://schemas.openxmlformats.org/markup-compatibility/2006">
-        <mc:Choice xmlns:a14="http://schemas.microsoft.com/office/drawing/2010/main" Requires="a14">
+      <mc:AlternateContent xmlns:mc="http://schemas.openxmlformats.org/markup-compatibility/2006" xmlns:a14="http://schemas.microsoft.com/office/drawing/2010/main">
+        <mc:Choice Requires="a14">
           <p:sp>
             <p:nvSpPr>
               <p:cNvPr id="47" name="TextBox 46">
@@ -5880,6 +5976,7 @@
               </a:bodyPr>
               <a:lstStyle/>
               <a:p>
+                <a:pPr/>
                 <a14:m>
                   <m:oMathPara xmlns:m="http://schemas.openxmlformats.org/officeDocument/2006/math">
                     <m:oMathParaPr>
@@ -6006,7 +6103,7 @@
             </p:txBody>
           </p:sp>
         </mc:Choice>
-        <mc:Fallback>
+        <mc:Fallback xmlns="">
           <p:sp>
             <p:nvSpPr>
               <p:cNvPr id="47" name="TextBox 46">
@@ -6548,7 +6645,7 @@
 </p:sld>
 </file>
 
-<file path=ppt/slides/slide3.xml><?xml version="1.0" encoding="utf-8"?>
+<file path=ppt/slides/slide4.xml><?xml version="1.0" encoding="utf-8"?>
 <p:sld xmlns:a="http://schemas.openxmlformats.org/drawingml/2006/main" xmlns:r="http://schemas.openxmlformats.org/officeDocument/2006/relationships" xmlns:p="http://schemas.openxmlformats.org/presentationml/2006/main">
   <p:cSld>
     <p:spTree>
@@ -6637,8 +6734,8 @@
           </a:p>
         </p:txBody>
       </p:sp>
-      <mc:AlternateContent xmlns:mc="http://schemas.openxmlformats.org/markup-compatibility/2006">
-        <mc:Choice xmlns:a14="http://schemas.microsoft.com/office/drawing/2010/main" Requires="a14">
+      <mc:AlternateContent xmlns:mc="http://schemas.openxmlformats.org/markup-compatibility/2006" xmlns:a14="http://schemas.microsoft.com/office/drawing/2010/main">
+        <mc:Choice Requires="a14">
           <p:sp>
             <p:nvSpPr>
               <p:cNvPr id="5" name="TextBox 4">
@@ -6667,6 +6764,7 @@
               </a:bodyPr>
               <a:lstStyle/>
               <a:p>
+                <a:pPr/>
                 <a14:m>
                   <m:oMathPara xmlns:m="http://schemas.openxmlformats.org/officeDocument/2006/math">
                     <m:oMathParaPr>
@@ -6817,7 +6915,7 @@
             </p:txBody>
           </p:sp>
         </mc:Choice>
-        <mc:Fallback>
+        <mc:Fallback xmlns="">
           <p:sp>
             <p:nvSpPr>
               <p:cNvPr id="5" name="TextBox 4">
@@ -10716,7 +10814,7 @@
 </p:sld>
 </file>
 
-<file path=ppt/slides/slide4.xml><?xml version="1.0" encoding="utf-8"?>
+<file path=ppt/slides/slide5.xml><?xml version="1.0" encoding="utf-8"?>
 <p:sld xmlns:a="http://schemas.openxmlformats.org/drawingml/2006/main" xmlns:r="http://schemas.openxmlformats.org/officeDocument/2006/relationships" xmlns:p="http://schemas.openxmlformats.org/presentationml/2006/main">
   <p:cSld>
     <p:spTree>
@@ -11771,8 +11869,8 @@
           </a:fontRef>
         </p:style>
       </p:cxnSp>
-      <mc:AlternateContent xmlns:mc="http://schemas.openxmlformats.org/markup-compatibility/2006">
-        <mc:Choice xmlns:a14="http://schemas.microsoft.com/office/drawing/2010/main" Requires="a14">
+      <mc:AlternateContent xmlns:mc="http://schemas.openxmlformats.org/markup-compatibility/2006" xmlns:a14="http://schemas.microsoft.com/office/drawing/2010/main">
+        <mc:Choice Requires="a14">
           <p:sp>
             <p:nvSpPr>
               <p:cNvPr id="50" name="TextBox 49">
@@ -11924,7 +12022,7 @@
             </p:txBody>
           </p:sp>
         </mc:Choice>
-        <mc:Fallback>
+        <mc:Fallback xmlns="">
           <p:sp>
             <p:nvSpPr>
               <p:cNvPr id="50" name="TextBox 49">
@@ -14585,7 +14683,7 @@
 </p:sld>
 </file>
 
-<file path=ppt/slides/slide5.xml><?xml version="1.0" encoding="utf-8"?>
+<file path=ppt/slides/slide6.xml><?xml version="1.0" encoding="utf-8"?>
 <p:sld xmlns:a="http://schemas.openxmlformats.org/drawingml/2006/main" xmlns:r="http://schemas.openxmlformats.org/officeDocument/2006/relationships" xmlns:p="http://schemas.openxmlformats.org/presentationml/2006/main">
   <p:cSld>
     <p:spTree>
@@ -16911,7 +17009,7 @@
 </p:sld>
 </file>
 
-<file path=ppt/slides/slide6.xml><?xml version="1.0" encoding="utf-8"?>
+<file path=ppt/slides/slide7.xml><?xml version="1.0" encoding="utf-8"?>
 <p:sld xmlns:a="http://schemas.openxmlformats.org/drawingml/2006/main" xmlns:r="http://schemas.openxmlformats.org/officeDocument/2006/relationships" xmlns:p="http://schemas.openxmlformats.org/presentationml/2006/main">
   <p:cSld>
     <p:spTree>
@@ -17000,8 +17098,8 @@
           </a:p>
         </p:txBody>
       </p:sp>
-      <mc:AlternateContent xmlns:mc="http://schemas.openxmlformats.org/markup-compatibility/2006">
-        <mc:Choice xmlns:a14="http://schemas.microsoft.com/office/drawing/2010/main" Requires="a14">
+      <mc:AlternateContent xmlns:mc="http://schemas.openxmlformats.org/markup-compatibility/2006" xmlns:a14="http://schemas.microsoft.com/office/drawing/2010/main">
+        <mc:Choice Requires="a14">
           <p:sp>
             <p:nvSpPr>
               <p:cNvPr id="4" name="TextBox 3">
@@ -17030,6 +17128,7 @@
               </a:bodyPr>
               <a:lstStyle/>
               <a:p>
+                <a:pPr/>
                 <a14:m>
                   <m:oMathPara xmlns:m="http://schemas.openxmlformats.org/officeDocument/2006/math">
                     <m:oMathParaPr>
@@ -17193,7 +17292,7 @@
             </p:txBody>
           </p:sp>
         </mc:Choice>
-        <mc:Fallback>
+        <mc:Fallback xmlns="">
           <p:sp>
             <p:nvSpPr>
               <p:cNvPr id="4" name="TextBox 3">
@@ -17274,8 +17373,8 @@
           </a:p>
         </p:txBody>
       </p:sp>
-      <mc:AlternateContent xmlns:mc="http://schemas.openxmlformats.org/markup-compatibility/2006">
-        <mc:Choice xmlns:a14="http://schemas.microsoft.com/office/drawing/2010/main" Requires="a14">
+      <mc:AlternateContent xmlns:mc="http://schemas.openxmlformats.org/markup-compatibility/2006" xmlns:a14="http://schemas.microsoft.com/office/drawing/2010/main">
+        <mc:Choice Requires="a14">
           <p:sp>
             <p:nvSpPr>
               <p:cNvPr id="6" name="TextBox 5">
@@ -17304,6 +17403,7 @@
               </a:bodyPr>
               <a:lstStyle/>
               <a:p>
+                <a:pPr/>
                 <a14:m>
                   <m:oMathPara xmlns:m="http://schemas.openxmlformats.org/officeDocument/2006/math">
                     <m:oMathParaPr>
@@ -17484,7 +17584,7 @@
             </p:txBody>
           </p:sp>
         </mc:Choice>
-        <mc:Fallback>
+        <mc:Fallback xmlns="">
           <p:sp>
             <p:nvSpPr>
               <p:cNvPr id="6" name="TextBox 5">
@@ -17559,14 +17659,14 @@
           <a:p>
             <a:r>
               <a:rPr lang="en-US" dirty="0"/>
-              <a:t>Even better with “mean squared error (MSE )”</a:t>
+              <a:t>Even better with “root mean squared error (RMSE )”</a:t>
             </a:r>
             <a:endParaRPr lang="LID4096" dirty="0"/>
           </a:p>
         </p:txBody>
       </p:sp>
-      <mc:AlternateContent xmlns:mc="http://schemas.openxmlformats.org/markup-compatibility/2006">
-        <mc:Choice xmlns:a14="http://schemas.microsoft.com/office/drawing/2010/main" Requires="a14">
+      <mc:AlternateContent xmlns:mc="http://schemas.openxmlformats.org/markup-compatibility/2006" xmlns:a14="http://schemas.microsoft.com/office/drawing/2010/main">
+        <mc:Choice Requires="a14">
           <p:sp>
             <p:nvSpPr>
               <p:cNvPr id="8" name="TextBox 7">
@@ -17595,6 +17695,7 @@
               </a:bodyPr>
               <a:lstStyle/>
               <a:p>
+                <a:pPr/>
                 <a14:m>
                   <m:oMathPara xmlns:m="http://schemas.openxmlformats.org/officeDocument/2006/math">
                     <m:oMathParaPr>
@@ -17644,13 +17745,7 @@
                                     <a:rPr lang="en-US" i="1">
                                       <a:latin typeface="Cambria Math" panose="02040503050406030204" pitchFamily="18" charset="0"/>
                                     </a:rPr>
-                                    <m:t>=</m:t>
-                                  </m:r>
-                                  <m:r>
-                                    <a:rPr lang="en-US" i="1">
-                                      <a:latin typeface="Cambria Math" panose="02040503050406030204" pitchFamily="18" charset="0"/>
-                                    </a:rPr>
-                                    <m:t>1</m:t>
+                                    <m:t>=1</m:t>
                                   </m:r>
                                 </m:sub>
                                 <m:sup>
@@ -17785,7 +17880,7 @@
             </p:txBody>
           </p:sp>
         </mc:Choice>
-        <mc:Fallback>
+        <mc:Fallback xmlns="">
           <p:sp>
             <p:nvSpPr>
               <p:cNvPr id="8" name="TextBox 7">
@@ -18008,6 +18103,2517 @@
       <p:bldP spid="4" grpId="0"/>
       <p:bldP spid="6" grpId="0"/>
       <p:bldP spid="8" grpId="0"/>
+    </p:bldLst>
+  </p:timing>
+</p:sld>
+</file>
+
+<file path=ppt/slides/slide8.xml><?xml version="1.0" encoding="utf-8"?>
+<p:sld xmlns:a="http://schemas.openxmlformats.org/drawingml/2006/main" xmlns:r="http://schemas.openxmlformats.org/officeDocument/2006/relationships" xmlns:p="http://schemas.openxmlformats.org/presentationml/2006/main">
+  <p:cSld>
+    <p:spTree>
+      <p:nvGrpSpPr>
+        <p:cNvPr id="1" name=""/>
+        <p:cNvGrpSpPr/>
+        <p:nvPr/>
+      </p:nvGrpSpPr>
+      <p:grpSpPr>
+        <a:xfrm>
+          <a:off x="0" y="0"/>
+          <a:ext cx="0" cy="0"/>
+          <a:chOff x="0" y="0"/>
+          <a:chExt cx="0" cy="0"/>
+        </a:xfrm>
+      </p:grpSpPr>
+      <mc:AlternateContent xmlns:mc="http://schemas.openxmlformats.org/markup-compatibility/2006" xmlns:a14="http://schemas.microsoft.com/office/drawing/2010/main">
+        <mc:Choice Requires="a14">
+          <p:sp>
+            <p:nvSpPr>
+              <p:cNvPr id="2" name="TextBox 1">
+                <a:extLst>
+                  <a:ext uri="{FF2B5EF4-FFF2-40B4-BE49-F238E27FC236}">
+                    <a16:creationId xmlns:a16="http://schemas.microsoft.com/office/drawing/2014/main" id="{E7C7C76C-855F-4B57-A328-F13B32771C97}"/>
+                  </a:ext>
+                </a:extLst>
+              </p:cNvPr>
+              <p:cNvSpPr txBox="1"/>
+              <p:nvPr/>
+            </p:nvSpPr>
+            <p:spPr>
+              <a:xfrm>
+                <a:off x="1203846" y="914071"/>
+                <a:ext cx="5902034" cy="369332"/>
+              </a:xfrm>
+              <a:prstGeom prst="rect">
+                <a:avLst/>
+              </a:prstGeom>
+              <a:noFill/>
+            </p:spPr>
+            <p:txBody>
+              <a:bodyPr wrap="square" rtlCol="0">
+                <a:spAutoFit/>
+              </a:bodyPr>
+              <a:lstStyle/>
+              <a:p>
+                <a14:m>
+                  <m:oMath xmlns:m="http://schemas.openxmlformats.org/officeDocument/2006/math">
+                    <m:sSup>
+                      <m:sSupPr>
+                        <m:ctrlPr>
+                          <a:rPr lang="en-US" b="0" i="1" smtClean="0">
+                            <a:latin typeface="Cambria Math" panose="02040503050406030204" pitchFamily="18" charset="0"/>
+                          </a:rPr>
+                        </m:ctrlPr>
+                      </m:sSupPr>
+                      <m:e>
+                        <m:r>
+                          <a:rPr lang="en-US" b="0" i="1" smtClean="0">
+                            <a:latin typeface="Cambria Math" panose="02040503050406030204" pitchFamily="18" charset="0"/>
+                          </a:rPr>
+                          <m:t>𝑅</m:t>
+                        </m:r>
+                      </m:e>
+                      <m:sup>
+                        <m:r>
+                          <a:rPr lang="en-US" b="0" i="1" smtClean="0">
+                            <a:latin typeface="Cambria Math" panose="02040503050406030204" pitchFamily="18" charset="0"/>
+                          </a:rPr>
+                          <m:t>2</m:t>
+                        </m:r>
+                      </m:sup>
+                    </m:sSup>
+                    <m:r>
+                      <a:rPr lang="en-US" b="0" i="1" smtClean="0">
+                        <a:latin typeface="Cambria Math" panose="02040503050406030204" pitchFamily="18" charset="0"/>
+                      </a:rPr>
+                      <m:t>:</m:t>
+                    </m:r>
+                  </m:oMath>
+                </a14:m>
+                <a:r>
+                  <a:rPr lang="en-US" dirty="0"/>
+                  <a:t> Coefficient of determination</a:t>
+                </a:r>
+                <a:endParaRPr lang="LID4096" dirty="0"/>
+              </a:p>
+            </p:txBody>
+          </p:sp>
+        </mc:Choice>
+        <mc:Fallback xmlns="">
+          <p:sp>
+            <p:nvSpPr>
+              <p:cNvPr id="2" name="TextBox 1">
+                <a:extLst>
+                  <a:ext uri="{FF2B5EF4-FFF2-40B4-BE49-F238E27FC236}">
+                    <a16:creationId xmlns:a16="http://schemas.microsoft.com/office/drawing/2014/main" id="{E7C7C76C-855F-4B57-A328-F13B32771C97}"/>
+                  </a:ext>
+                </a:extLst>
+              </p:cNvPr>
+              <p:cNvSpPr txBox="1">
+                <a:spLocks noRot="1" noChangeAspect="1" noMove="1" noResize="1" noEditPoints="1" noAdjustHandles="1" noChangeArrowheads="1" noChangeShapeType="1" noTextEdit="1"/>
+              </p:cNvSpPr>
+              <p:nvPr/>
+            </p:nvSpPr>
+            <p:spPr>
+              <a:xfrm>
+                <a:off x="1203846" y="914071"/>
+                <a:ext cx="5902034" cy="369332"/>
+              </a:xfrm>
+              <a:prstGeom prst="rect">
+                <a:avLst/>
+              </a:prstGeom>
+              <a:blipFill>
+                <a:blip r:embed="rId2"/>
+                <a:stretch>
+                  <a:fillRect t="-9836" b="-24590"/>
+                </a:stretch>
+              </a:blipFill>
+            </p:spPr>
+            <p:txBody>
+              <a:bodyPr/>
+              <a:lstStyle/>
+              <a:p>
+                <a:r>
+                  <a:rPr lang="LID4096">
+                    <a:noFill/>
+                  </a:rPr>
+                  <a:t> </a:t>
+                </a:r>
+              </a:p>
+            </p:txBody>
+          </p:sp>
+        </mc:Fallback>
+      </mc:AlternateContent>
+      <mc:AlternateContent xmlns:mc="http://schemas.openxmlformats.org/markup-compatibility/2006" xmlns:a14="http://schemas.microsoft.com/office/drawing/2010/main">
+        <mc:Choice Requires="a14">
+          <p:sp>
+            <p:nvSpPr>
+              <p:cNvPr id="6" name="TextBox 5">
+                <a:extLst>
+                  <a:ext uri="{FF2B5EF4-FFF2-40B4-BE49-F238E27FC236}">
+                    <a16:creationId xmlns:a16="http://schemas.microsoft.com/office/drawing/2014/main" id="{D191221D-FA20-4590-9A6D-1C5605BA946E}"/>
+                  </a:ext>
+                </a:extLst>
+              </p:cNvPr>
+              <p:cNvSpPr txBox="1"/>
+              <p:nvPr/>
+            </p:nvSpPr>
+            <p:spPr>
+              <a:xfrm>
+                <a:off x="3402862" y="1497347"/>
+                <a:ext cx="7045711" cy="915315"/>
+              </a:xfrm>
+              <a:prstGeom prst="rect">
+                <a:avLst/>
+              </a:prstGeom>
+              <a:noFill/>
+            </p:spPr>
+            <p:txBody>
+              <a:bodyPr wrap="none" lIns="0" tIns="0" rIns="0" bIns="0" rtlCol="0">
+                <a:spAutoFit/>
+              </a:bodyPr>
+              <a:lstStyle/>
+              <a:p>
+                <a:pPr/>
+                <a14:m>
+                  <m:oMathPara xmlns:m="http://schemas.openxmlformats.org/officeDocument/2006/math">
+                    <m:oMathParaPr>
+                      <m:jc m:val="centerGroup"/>
+                    </m:oMathParaPr>
+                    <m:oMath xmlns:m="http://schemas.openxmlformats.org/officeDocument/2006/math">
+                      <m:sSup>
+                        <m:sSupPr>
+                          <m:ctrlPr>
+                            <a:rPr lang="en-US" b="0" i="1" smtClean="0">
+                              <a:latin typeface="Cambria Math" panose="02040503050406030204" pitchFamily="18" charset="0"/>
+                            </a:rPr>
+                          </m:ctrlPr>
+                        </m:sSupPr>
+                        <m:e>
+                          <m:r>
+                            <a:rPr lang="en-US" b="0" i="1" smtClean="0">
+                              <a:latin typeface="Cambria Math" panose="02040503050406030204" pitchFamily="18" charset="0"/>
+                            </a:rPr>
+                            <m:t>𝑅</m:t>
+                          </m:r>
+                        </m:e>
+                        <m:sup>
+                          <m:r>
+                            <a:rPr lang="en-US" b="0" i="1" smtClean="0">
+                              <a:latin typeface="Cambria Math" panose="02040503050406030204" pitchFamily="18" charset="0"/>
+                            </a:rPr>
+                            <m:t>2</m:t>
+                          </m:r>
+                        </m:sup>
+                      </m:sSup>
+                      <m:r>
+                        <a:rPr lang="en-US" b="0" i="1" smtClean="0">
+                          <a:latin typeface="Cambria Math" panose="02040503050406030204" pitchFamily="18" charset="0"/>
+                        </a:rPr>
+                        <m:t>=1−</m:t>
+                      </m:r>
+                      <m:f>
+                        <m:fPr>
+                          <m:ctrlPr>
+                            <a:rPr lang="en-US" b="0" i="1" smtClean="0">
+                              <a:latin typeface="Cambria Math" panose="02040503050406030204" pitchFamily="18" charset="0"/>
+                            </a:rPr>
+                          </m:ctrlPr>
+                        </m:fPr>
+                        <m:num>
+                          <m:r>
+                            <a:rPr lang="en-US" b="0" i="1" smtClean="0">
+                              <a:latin typeface="Cambria Math" panose="02040503050406030204" pitchFamily="18" charset="0"/>
+                            </a:rPr>
+                            <m:t>𝑅𝑆𝑆</m:t>
+                          </m:r>
+                        </m:num>
+                        <m:den>
+                          <m:r>
+                            <a:rPr lang="en-US" b="0" i="1" smtClean="0">
+                              <a:latin typeface="Cambria Math" panose="02040503050406030204" pitchFamily="18" charset="0"/>
+                            </a:rPr>
+                            <m:t>𝑇𝑆𝑆</m:t>
+                          </m:r>
+                        </m:den>
+                      </m:f>
+                      <m:r>
+                        <a:rPr lang="en-US" b="0" i="1" smtClean="0">
+                          <a:latin typeface="Cambria Math" panose="02040503050406030204" pitchFamily="18" charset="0"/>
+                        </a:rPr>
+                        <m:t>=1−</m:t>
+                      </m:r>
+                      <m:f>
+                        <m:fPr>
+                          <m:ctrlPr>
+                            <a:rPr lang="en-US" b="0" i="1" smtClean="0">
+                              <a:latin typeface="Cambria Math" panose="02040503050406030204" pitchFamily="18" charset="0"/>
+                            </a:rPr>
+                          </m:ctrlPr>
+                        </m:fPr>
+                        <m:num>
+                          <m:r>
+                            <a:rPr lang="en-US" b="0" i="1" smtClean="0">
+                              <a:latin typeface="Cambria Math" panose="02040503050406030204" pitchFamily="18" charset="0"/>
+                            </a:rPr>
+                            <m:t>𝑠𝑢𝑚</m:t>
+                          </m:r>
+                          <m:r>
+                            <a:rPr lang="en-US" b="0" i="1" smtClean="0">
+                              <a:latin typeface="Cambria Math" panose="02040503050406030204" pitchFamily="18" charset="0"/>
+                            </a:rPr>
+                            <m:t> </m:t>
+                          </m:r>
+                          <m:r>
+                            <a:rPr lang="en-US" b="0" i="1" smtClean="0">
+                              <a:latin typeface="Cambria Math" panose="02040503050406030204" pitchFamily="18" charset="0"/>
+                            </a:rPr>
+                            <m:t>𝑜𝑓</m:t>
+                          </m:r>
+                          <m:r>
+                            <a:rPr lang="en-US" b="0" i="1" smtClean="0">
+                              <a:latin typeface="Cambria Math" panose="02040503050406030204" pitchFamily="18" charset="0"/>
+                            </a:rPr>
+                            <m:t> </m:t>
+                          </m:r>
+                          <m:r>
+                            <a:rPr lang="en-US" b="0" i="1" smtClean="0">
+                              <a:latin typeface="Cambria Math" panose="02040503050406030204" pitchFamily="18" charset="0"/>
+                            </a:rPr>
+                            <m:t>𝑠𝑞𝑢𝑎𝑟𝑒𝑑</m:t>
+                          </m:r>
+                          <m:r>
+                            <a:rPr lang="en-US" b="0" i="1" smtClean="0">
+                              <a:latin typeface="Cambria Math" panose="02040503050406030204" pitchFamily="18" charset="0"/>
+                            </a:rPr>
+                            <m:t> </m:t>
+                          </m:r>
+                          <m:r>
+                            <a:rPr lang="en-US" b="0" i="1" smtClean="0">
+                              <a:latin typeface="Cambria Math" panose="02040503050406030204" pitchFamily="18" charset="0"/>
+                            </a:rPr>
+                            <m:t>𝑟𝑒𝑠𝑖𝑑𝑢𝑎𝑙𝑠</m:t>
+                          </m:r>
+                        </m:num>
+                        <m:den>
+                          <m:r>
+                            <a:rPr lang="en-US" b="0" i="1" smtClean="0">
+                              <a:latin typeface="Cambria Math" panose="02040503050406030204" pitchFamily="18" charset="0"/>
+                            </a:rPr>
+                            <m:t>𝑡𝑜𝑡𝑎𝑙</m:t>
+                          </m:r>
+                          <m:r>
+                            <a:rPr lang="en-US" b="0" i="1" smtClean="0">
+                              <a:latin typeface="Cambria Math" panose="02040503050406030204" pitchFamily="18" charset="0"/>
+                            </a:rPr>
+                            <m:t> </m:t>
+                          </m:r>
+                          <m:r>
+                            <a:rPr lang="en-US" b="0" i="1" smtClean="0">
+                              <a:latin typeface="Cambria Math" panose="02040503050406030204" pitchFamily="18" charset="0"/>
+                            </a:rPr>
+                            <m:t>𝑠𝑢𝑚</m:t>
+                          </m:r>
+                          <m:r>
+                            <a:rPr lang="en-US" b="0" i="1" smtClean="0">
+                              <a:latin typeface="Cambria Math" panose="02040503050406030204" pitchFamily="18" charset="0"/>
+                            </a:rPr>
+                            <m:t> </m:t>
+                          </m:r>
+                          <m:r>
+                            <a:rPr lang="en-US" b="0" i="1" smtClean="0">
+                              <a:latin typeface="Cambria Math" panose="02040503050406030204" pitchFamily="18" charset="0"/>
+                            </a:rPr>
+                            <m:t>𝑜𝑓</m:t>
+                          </m:r>
+                          <m:r>
+                            <a:rPr lang="en-US" b="0" i="1" smtClean="0">
+                              <a:latin typeface="Cambria Math" panose="02040503050406030204" pitchFamily="18" charset="0"/>
+                            </a:rPr>
+                            <m:t> </m:t>
+                          </m:r>
+                          <m:r>
+                            <a:rPr lang="en-US" b="0" i="1" smtClean="0">
+                              <a:latin typeface="Cambria Math" panose="02040503050406030204" pitchFamily="18" charset="0"/>
+                            </a:rPr>
+                            <m:t>𝑠𝑞𝑢𝑎𝑟𝑒𝑠</m:t>
+                          </m:r>
+                        </m:den>
+                      </m:f>
+                      <m:r>
+                        <a:rPr lang="en-US" b="0" i="1" smtClean="0">
+                          <a:latin typeface="Cambria Math" panose="02040503050406030204" pitchFamily="18" charset="0"/>
+                        </a:rPr>
+                        <m:t>=1−</m:t>
+                      </m:r>
+                      <m:f>
+                        <m:fPr>
+                          <m:ctrlPr>
+                            <a:rPr lang="en-US" b="0" i="1" smtClean="0">
+                              <a:latin typeface="Cambria Math" panose="02040503050406030204" pitchFamily="18" charset="0"/>
+                            </a:rPr>
+                          </m:ctrlPr>
+                        </m:fPr>
+                        <m:num>
+                          <m:nary>
+                            <m:naryPr>
+                              <m:chr m:val="∑"/>
+                              <m:ctrlPr>
+                                <a:rPr lang="en-US" i="1" smtClean="0">
+                                  <a:latin typeface="Cambria Math" panose="02040503050406030204" pitchFamily="18" charset="0"/>
+                                </a:rPr>
+                              </m:ctrlPr>
+                            </m:naryPr>
+                            <m:sub>
+                              <m:r>
+                                <m:rPr>
+                                  <m:brk m:alnAt="23"/>
+                                </m:rPr>
+                                <a:rPr lang="en-US" b="0" i="1" smtClean="0">
+                                  <a:latin typeface="Cambria Math" panose="02040503050406030204" pitchFamily="18" charset="0"/>
+                                </a:rPr>
+                                <m:t>𝑖</m:t>
+                              </m:r>
+                              <m:r>
+                                <a:rPr lang="en-US" b="0" i="1" smtClean="0">
+                                  <a:latin typeface="Cambria Math" panose="02040503050406030204" pitchFamily="18" charset="0"/>
+                                </a:rPr>
+                                <m:t>=1</m:t>
+                              </m:r>
+                            </m:sub>
+                            <m:sup>
+                              <m:r>
+                                <a:rPr lang="en-US" b="0" i="1" smtClean="0">
+                                  <a:latin typeface="Cambria Math" panose="02040503050406030204" pitchFamily="18" charset="0"/>
+                                </a:rPr>
+                                <m:t>𝑁</m:t>
+                              </m:r>
+                            </m:sup>
+                            <m:e>
+                              <m:sSup>
+                                <m:sSupPr>
+                                  <m:ctrlPr>
+                                    <a:rPr lang="en-US" b="0" i="1" smtClean="0">
+                                      <a:latin typeface="Cambria Math" panose="02040503050406030204" pitchFamily="18" charset="0"/>
+                                    </a:rPr>
+                                  </m:ctrlPr>
+                                </m:sSupPr>
+                                <m:e>
+                                  <m:d>
+                                    <m:dPr>
+                                      <m:ctrlPr>
+                                        <a:rPr lang="en-US" b="0" i="1" smtClean="0">
+                                          <a:latin typeface="Cambria Math" panose="02040503050406030204" pitchFamily="18" charset="0"/>
+                                        </a:rPr>
+                                      </m:ctrlPr>
+                                    </m:dPr>
+                                    <m:e>
+                                      <m:sSub>
+                                        <m:sSubPr>
+                                          <m:ctrlPr>
+                                            <a:rPr lang="en-US" i="1">
+                                              <a:latin typeface="Cambria Math" panose="02040503050406030204" pitchFamily="18" charset="0"/>
+                                            </a:rPr>
+                                          </m:ctrlPr>
+                                        </m:sSubPr>
+                                        <m:e>
+                                          <m:r>
+                                            <a:rPr lang="en-US" i="1">
+                                              <a:latin typeface="Cambria Math" panose="02040503050406030204" pitchFamily="18" charset="0"/>
+                                            </a:rPr>
+                                            <m:t>𝑦</m:t>
+                                          </m:r>
+                                        </m:e>
+                                        <m:sub>
+                                          <m:r>
+                                            <a:rPr lang="en-US" i="1">
+                                              <a:latin typeface="Cambria Math" panose="02040503050406030204" pitchFamily="18" charset="0"/>
+                                            </a:rPr>
+                                            <m:t>𝑖</m:t>
+                                          </m:r>
+                                        </m:sub>
+                                      </m:sSub>
+                                      <m:r>
+                                        <a:rPr lang="en-US" i="1">
+                                          <a:latin typeface="Cambria Math" panose="02040503050406030204" pitchFamily="18" charset="0"/>
+                                        </a:rPr>
+                                        <m:t>−</m:t>
+                                      </m:r>
+                                      <m:acc>
+                                        <m:accPr>
+                                          <m:chr m:val="̂"/>
+                                          <m:ctrlPr>
+                                            <a:rPr lang="en-US" i="1">
+                                              <a:latin typeface="Cambria Math" panose="02040503050406030204" pitchFamily="18" charset="0"/>
+                                            </a:rPr>
+                                          </m:ctrlPr>
+                                        </m:accPr>
+                                        <m:e>
+                                          <m:sSub>
+                                            <m:sSubPr>
+                                              <m:ctrlPr>
+                                                <a:rPr lang="en-US" i="1">
+                                                  <a:latin typeface="Cambria Math" panose="02040503050406030204" pitchFamily="18" charset="0"/>
+                                                </a:rPr>
+                                              </m:ctrlPr>
+                                            </m:sSubPr>
+                                            <m:e>
+                                              <m:r>
+                                                <a:rPr lang="en-US" i="1">
+                                                  <a:latin typeface="Cambria Math" panose="02040503050406030204" pitchFamily="18" charset="0"/>
+                                                </a:rPr>
+                                                <m:t>𝑦</m:t>
+                                              </m:r>
+                                            </m:e>
+                                            <m:sub>
+                                              <m:r>
+                                                <a:rPr lang="en-US" i="1">
+                                                  <a:latin typeface="Cambria Math" panose="02040503050406030204" pitchFamily="18" charset="0"/>
+                                                </a:rPr>
+                                                <m:t>𝑖</m:t>
+                                              </m:r>
+                                            </m:sub>
+                                          </m:sSub>
+                                        </m:e>
+                                      </m:acc>
+                                    </m:e>
+                                  </m:d>
+                                </m:e>
+                                <m:sup>
+                                  <m:r>
+                                    <a:rPr lang="en-US" b="0" i="1" smtClean="0">
+                                      <a:latin typeface="Cambria Math" panose="02040503050406030204" pitchFamily="18" charset="0"/>
+                                    </a:rPr>
+                                    <m:t>2</m:t>
+                                  </m:r>
+                                </m:sup>
+                              </m:sSup>
+                            </m:e>
+                          </m:nary>
+                        </m:num>
+                        <m:den>
+                          <m:nary>
+                            <m:naryPr>
+                              <m:chr m:val="∑"/>
+                              <m:ctrlPr>
+                                <a:rPr lang="en-US" i="1">
+                                  <a:latin typeface="Cambria Math" panose="02040503050406030204" pitchFamily="18" charset="0"/>
+                                </a:rPr>
+                              </m:ctrlPr>
+                            </m:naryPr>
+                            <m:sub>
+                              <m:r>
+                                <m:rPr>
+                                  <m:brk m:alnAt="23"/>
+                                </m:rPr>
+                                <a:rPr lang="en-US" i="1">
+                                  <a:latin typeface="Cambria Math" panose="02040503050406030204" pitchFamily="18" charset="0"/>
+                                </a:rPr>
+                                <m:t>𝑖</m:t>
+                              </m:r>
+                              <m:r>
+                                <a:rPr lang="en-US" i="1">
+                                  <a:latin typeface="Cambria Math" panose="02040503050406030204" pitchFamily="18" charset="0"/>
+                                </a:rPr>
+                                <m:t>=1</m:t>
+                              </m:r>
+                            </m:sub>
+                            <m:sup>
+                              <m:r>
+                                <a:rPr lang="en-US" i="1">
+                                  <a:latin typeface="Cambria Math" panose="02040503050406030204" pitchFamily="18" charset="0"/>
+                                </a:rPr>
+                                <m:t>𝑁</m:t>
+                              </m:r>
+                            </m:sup>
+                            <m:e>
+                              <m:sSup>
+                                <m:sSupPr>
+                                  <m:ctrlPr>
+                                    <a:rPr lang="en-US" i="1">
+                                      <a:latin typeface="Cambria Math" panose="02040503050406030204" pitchFamily="18" charset="0"/>
+                                    </a:rPr>
+                                  </m:ctrlPr>
+                                </m:sSupPr>
+                                <m:e>
+                                  <m:d>
+                                    <m:dPr>
+                                      <m:ctrlPr>
+                                        <a:rPr lang="en-US" i="1" smtClean="0">
+                                          <a:latin typeface="Cambria Math" panose="02040503050406030204" pitchFamily="18" charset="0"/>
+                                        </a:rPr>
+                                      </m:ctrlPr>
+                                    </m:dPr>
+                                    <m:e>
+                                      <m:sSub>
+                                        <m:sSubPr>
+                                          <m:ctrlPr>
+                                            <a:rPr lang="en-US" i="1">
+                                              <a:latin typeface="Cambria Math" panose="02040503050406030204" pitchFamily="18" charset="0"/>
+                                            </a:rPr>
+                                          </m:ctrlPr>
+                                        </m:sSubPr>
+                                        <m:e>
+                                          <m:r>
+                                            <a:rPr lang="en-US" i="1">
+                                              <a:latin typeface="Cambria Math" panose="02040503050406030204" pitchFamily="18" charset="0"/>
+                                            </a:rPr>
+                                            <m:t>𝑦</m:t>
+                                          </m:r>
+                                        </m:e>
+                                        <m:sub>
+                                          <m:r>
+                                            <a:rPr lang="en-US" i="1">
+                                              <a:latin typeface="Cambria Math" panose="02040503050406030204" pitchFamily="18" charset="0"/>
+                                            </a:rPr>
+                                            <m:t>𝑖</m:t>
+                                          </m:r>
+                                        </m:sub>
+                                      </m:sSub>
+                                      <m:r>
+                                        <a:rPr lang="en-US" i="1">
+                                          <a:latin typeface="Cambria Math" panose="02040503050406030204" pitchFamily="18" charset="0"/>
+                                        </a:rPr>
+                                        <m:t>−</m:t>
+                                      </m:r>
+                                      <m:acc>
+                                        <m:accPr>
+                                          <m:chr m:val="̅"/>
+                                          <m:ctrlPr>
+                                            <a:rPr lang="en-US" b="0" i="1" smtClean="0">
+                                              <a:latin typeface="Cambria Math" panose="02040503050406030204" pitchFamily="18" charset="0"/>
+                                            </a:rPr>
+                                          </m:ctrlPr>
+                                        </m:accPr>
+                                        <m:e>
+                                          <m:r>
+                                            <a:rPr lang="en-US" b="0" i="1" smtClean="0">
+                                              <a:latin typeface="Cambria Math" panose="02040503050406030204" pitchFamily="18" charset="0"/>
+                                            </a:rPr>
+                                            <m:t>𝑦</m:t>
+                                          </m:r>
+                                        </m:e>
+                                      </m:acc>
+                                    </m:e>
+                                  </m:d>
+                                </m:e>
+                                <m:sup>
+                                  <m:r>
+                                    <a:rPr lang="en-US" i="1">
+                                      <a:latin typeface="Cambria Math" panose="02040503050406030204" pitchFamily="18" charset="0"/>
+                                    </a:rPr>
+                                    <m:t>2</m:t>
+                                  </m:r>
+                                </m:sup>
+                              </m:sSup>
+                            </m:e>
+                          </m:nary>
+                        </m:den>
+                      </m:f>
+                    </m:oMath>
+                  </m:oMathPara>
+                </a14:m>
+                <a:endParaRPr lang="en-US" b="0" dirty="0"/>
+              </a:p>
+              <a:p>
+                <a:endParaRPr lang="LID4096" dirty="0"/>
+              </a:p>
+            </p:txBody>
+          </p:sp>
+        </mc:Choice>
+        <mc:Fallback xmlns="">
+          <p:sp>
+            <p:nvSpPr>
+              <p:cNvPr id="6" name="TextBox 5">
+                <a:extLst>
+                  <a:ext uri="{FF2B5EF4-FFF2-40B4-BE49-F238E27FC236}">
+                    <a16:creationId xmlns:a16="http://schemas.microsoft.com/office/drawing/2014/main" id="{D191221D-FA20-4590-9A6D-1C5605BA946E}"/>
+                  </a:ext>
+                </a:extLst>
+              </p:cNvPr>
+              <p:cNvSpPr txBox="1">
+                <a:spLocks noRot="1" noChangeAspect="1" noMove="1" noResize="1" noEditPoints="1" noAdjustHandles="1" noChangeArrowheads="1" noChangeShapeType="1" noTextEdit="1"/>
+              </p:cNvSpPr>
+              <p:nvPr/>
+            </p:nvSpPr>
+            <p:spPr>
+              <a:xfrm>
+                <a:off x="3402862" y="1497347"/>
+                <a:ext cx="7045711" cy="915315"/>
+              </a:xfrm>
+              <a:prstGeom prst="rect">
+                <a:avLst/>
+              </a:prstGeom>
+              <a:blipFill>
+                <a:blip r:embed="rId3"/>
+                <a:stretch>
+                  <a:fillRect/>
+                </a:stretch>
+              </a:blipFill>
+            </p:spPr>
+            <p:txBody>
+              <a:bodyPr/>
+              <a:lstStyle/>
+              <a:p>
+                <a:r>
+                  <a:rPr lang="LID4096">
+                    <a:noFill/>
+                  </a:rPr>
+                  <a:t> </a:t>
+                </a:r>
+              </a:p>
+            </p:txBody>
+          </p:sp>
+        </mc:Fallback>
+      </mc:AlternateContent>
+      <p:cxnSp>
+        <p:nvCxnSpPr>
+          <p:cNvPr id="9" name="Straight Arrow Connector 8">
+            <a:extLst>
+              <a:ext uri="{FF2B5EF4-FFF2-40B4-BE49-F238E27FC236}">
+                <a16:creationId xmlns:a16="http://schemas.microsoft.com/office/drawing/2014/main" id="{7A503D7C-1F5A-48AA-A9C7-05F4B7010C8E}"/>
+              </a:ext>
+            </a:extLst>
+          </p:cNvPr>
+          <p:cNvCxnSpPr/>
+          <p:nvPr/>
+        </p:nvCxnSpPr>
+        <p:spPr>
+          <a:xfrm>
+            <a:off x="3868625" y="5943929"/>
+            <a:ext cx="4186410" cy="0"/>
+          </a:xfrm>
+          <a:prstGeom prst="straightConnector1">
+            <a:avLst/>
+          </a:prstGeom>
+          <a:ln>
+            <a:tailEnd type="triangle"/>
+          </a:ln>
+        </p:spPr>
+        <p:style>
+          <a:lnRef idx="3">
+            <a:schemeClr val="dk1"/>
+          </a:lnRef>
+          <a:fillRef idx="0">
+            <a:schemeClr val="dk1"/>
+          </a:fillRef>
+          <a:effectRef idx="2">
+            <a:schemeClr val="dk1"/>
+          </a:effectRef>
+          <a:fontRef idx="minor">
+            <a:schemeClr val="tx1"/>
+          </a:fontRef>
+        </p:style>
+      </p:cxnSp>
+      <p:cxnSp>
+        <p:nvCxnSpPr>
+          <p:cNvPr id="10" name="Straight Arrow Connector 9">
+            <a:extLst>
+              <a:ext uri="{FF2B5EF4-FFF2-40B4-BE49-F238E27FC236}">
+                <a16:creationId xmlns:a16="http://schemas.microsoft.com/office/drawing/2014/main" id="{681EBAEF-5F23-460A-A580-7C93F158CA03}"/>
+              </a:ext>
+            </a:extLst>
+          </p:cNvPr>
+          <p:cNvCxnSpPr>
+            <a:cxnSpLocks/>
+          </p:cNvCxnSpPr>
+          <p:nvPr/>
+        </p:nvCxnSpPr>
+        <p:spPr>
+          <a:xfrm rot="16200000">
+            <a:off x="2446625" y="4521929"/>
+            <a:ext cx="2844000" cy="0"/>
+          </a:xfrm>
+          <a:prstGeom prst="straightConnector1">
+            <a:avLst/>
+          </a:prstGeom>
+          <a:ln>
+            <a:tailEnd type="triangle"/>
+          </a:ln>
+        </p:spPr>
+        <p:style>
+          <a:lnRef idx="3">
+            <a:schemeClr val="dk1"/>
+          </a:lnRef>
+          <a:fillRef idx="0">
+            <a:schemeClr val="dk1"/>
+          </a:fillRef>
+          <a:effectRef idx="2">
+            <a:schemeClr val="dk1"/>
+          </a:effectRef>
+          <a:fontRef idx="minor">
+            <a:schemeClr val="tx1"/>
+          </a:fontRef>
+        </p:style>
+      </p:cxnSp>
+      <p:sp>
+        <p:nvSpPr>
+          <p:cNvPr id="11" name="Oval 10">
+            <a:extLst>
+              <a:ext uri="{FF2B5EF4-FFF2-40B4-BE49-F238E27FC236}">
+                <a16:creationId xmlns:a16="http://schemas.microsoft.com/office/drawing/2014/main" id="{B149CC1C-6659-410E-9D43-70096D2E6866}"/>
+              </a:ext>
+            </a:extLst>
+          </p:cNvPr>
+          <p:cNvSpPr/>
+          <p:nvPr/>
+        </p:nvSpPr>
+        <p:spPr>
+          <a:xfrm>
+            <a:off x="6591626" y="3145646"/>
+            <a:ext cx="72000" cy="72000"/>
+          </a:xfrm>
+          <a:prstGeom prst="ellipse">
+            <a:avLst/>
+          </a:prstGeom>
+        </p:spPr>
+        <p:style>
+          <a:lnRef idx="2">
+            <a:schemeClr val="accent1">
+              <a:shade val="50000"/>
+            </a:schemeClr>
+          </a:lnRef>
+          <a:fillRef idx="1">
+            <a:schemeClr val="accent1"/>
+          </a:fillRef>
+          <a:effectRef idx="0">
+            <a:schemeClr val="accent1"/>
+          </a:effectRef>
+          <a:fontRef idx="minor">
+            <a:schemeClr val="lt1"/>
+          </a:fontRef>
+        </p:style>
+        <p:txBody>
+          <a:bodyPr rtlCol="0" anchor="ctr"/>
+          <a:lstStyle/>
+          <a:p>
+            <a:pPr algn="ctr"/>
+            <a:endParaRPr lang="LID4096"/>
+          </a:p>
+        </p:txBody>
+      </p:sp>
+      <p:sp>
+        <p:nvSpPr>
+          <p:cNvPr id="12" name="Oval 11">
+            <a:extLst>
+              <a:ext uri="{FF2B5EF4-FFF2-40B4-BE49-F238E27FC236}">
+                <a16:creationId xmlns:a16="http://schemas.microsoft.com/office/drawing/2014/main" id="{4C85EDB2-B761-4584-8DD3-00C07978C734}"/>
+              </a:ext>
+            </a:extLst>
+          </p:cNvPr>
+          <p:cNvSpPr/>
+          <p:nvPr/>
+        </p:nvSpPr>
+        <p:spPr>
+          <a:xfrm>
+            <a:off x="7248965" y="3546486"/>
+            <a:ext cx="72000" cy="72000"/>
+          </a:xfrm>
+          <a:prstGeom prst="ellipse">
+            <a:avLst/>
+          </a:prstGeom>
+        </p:spPr>
+        <p:style>
+          <a:lnRef idx="2">
+            <a:schemeClr val="accent1">
+              <a:shade val="50000"/>
+            </a:schemeClr>
+          </a:lnRef>
+          <a:fillRef idx="1">
+            <a:schemeClr val="accent1"/>
+          </a:fillRef>
+          <a:effectRef idx="0">
+            <a:schemeClr val="accent1"/>
+          </a:effectRef>
+          <a:fontRef idx="minor">
+            <a:schemeClr val="lt1"/>
+          </a:fontRef>
+        </p:style>
+        <p:txBody>
+          <a:bodyPr rtlCol="0" anchor="ctr"/>
+          <a:lstStyle/>
+          <a:p>
+            <a:pPr algn="ctr"/>
+            <a:endParaRPr lang="LID4096"/>
+          </a:p>
+        </p:txBody>
+      </p:sp>
+      <p:sp>
+        <p:nvSpPr>
+          <p:cNvPr id="13" name="Oval 12">
+            <a:extLst>
+              <a:ext uri="{FF2B5EF4-FFF2-40B4-BE49-F238E27FC236}">
+                <a16:creationId xmlns:a16="http://schemas.microsoft.com/office/drawing/2014/main" id="{DF537301-B4AE-4736-9699-04317B18431B}"/>
+              </a:ext>
+            </a:extLst>
+          </p:cNvPr>
+          <p:cNvSpPr/>
+          <p:nvPr/>
+        </p:nvSpPr>
+        <p:spPr>
+          <a:xfrm>
+            <a:off x="5815916" y="3510486"/>
+            <a:ext cx="72000" cy="72000"/>
+          </a:xfrm>
+          <a:prstGeom prst="ellipse">
+            <a:avLst/>
+          </a:prstGeom>
+        </p:spPr>
+        <p:style>
+          <a:lnRef idx="2">
+            <a:schemeClr val="accent1">
+              <a:shade val="50000"/>
+            </a:schemeClr>
+          </a:lnRef>
+          <a:fillRef idx="1">
+            <a:schemeClr val="accent1"/>
+          </a:fillRef>
+          <a:effectRef idx="0">
+            <a:schemeClr val="accent1"/>
+          </a:effectRef>
+          <a:fontRef idx="minor">
+            <a:schemeClr val="lt1"/>
+          </a:fontRef>
+        </p:style>
+        <p:txBody>
+          <a:bodyPr rtlCol="0" anchor="ctr"/>
+          <a:lstStyle/>
+          <a:p>
+            <a:pPr algn="ctr"/>
+            <a:endParaRPr lang="LID4096"/>
+          </a:p>
+        </p:txBody>
+      </p:sp>
+      <p:sp>
+        <p:nvSpPr>
+          <p:cNvPr id="14" name="Oval 13">
+            <a:extLst>
+              <a:ext uri="{FF2B5EF4-FFF2-40B4-BE49-F238E27FC236}">
+                <a16:creationId xmlns:a16="http://schemas.microsoft.com/office/drawing/2014/main" id="{794CB41D-79F6-4E0B-A727-212C2E1E289B}"/>
+              </a:ext>
+            </a:extLst>
+          </p:cNvPr>
+          <p:cNvSpPr/>
+          <p:nvPr/>
+        </p:nvSpPr>
+        <p:spPr>
+          <a:xfrm>
+            <a:off x="4647928" y="5091374"/>
+            <a:ext cx="72000" cy="72000"/>
+          </a:xfrm>
+          <a:prstGeom prst="ellipse">
+            <a:avLst/>
+          </a:prstGeom>
+        </p:spPr>
+        <p:style>
+          <a:lnRef idx="2">
+            <a:schemeClr val="accent1">
+              <a:shade val="50000"/>
+            </a:schemeClr>
+          </a:lnRef>
+          <a:fillRef idx="1">
+            <a:schemeClr val="accent1"/>
+          </a:fillRef>
+          <a:effectRef idx="0">
+            <a:schemeClr val="accent1"/>
+          </a:effectRef>
+          <a:fontRef idx="minor">
+            <a:schemeClr val="lt1"/>
+          </a:fontRef>
+        </p:style>
+        <p:txBody>
+          <a:bodyPr rtlCol="0" anchor="ctr"/>
+          <a:lstStyle/>
+          <a:p>
+            <a:pPr algn="ctr"/>
+            <a:endParaRPr lang="LID4096"/>
+          </a:p>
+        </p:txBody>
+      </p:sp>
+      <p:sp>
+        <p:nvSpPr>
+          <p:cNvPr id="15" name="Oval 14">
+            <a:extLst>
+              <a:ext uri="{FF2B5EF4-FFF2-40B4-BE49-F238E27FC236}">
+                <a16:creationId xmlns:a16="http://schemas.microsoft.com/office/drawing/2014/main" id="{0338B33A-911C-4691-AC7F-2FDD52BC8B70}"/>
+              </a:ext>
+            </a:extLst>
+          </p:cNvPr>
+          <p:cNvSpPr/>
+          <p:nvPr/>
+        </p:nvSpPr>
+        <p:spPr>
+          <a:xfrm>
+            <a:off x="4892721" y="4371996"/>
+            <a:ext cx="72000" cy="72000"/>
+          </a:xfrm>
+          <a:prstGeom prst="ellipse">
+            <a:avLst/>
+          </a:prstGeom>
+        </p:spPr>
+        <p:style>
+          <a:lnRef idx="2">
+            <a:schemeClr val="accent1">
+              <a:shade val="50000"/>
+            </a:schemeClr>
+          </a:lnRef>
+          <a:fillRef idx="1">
+            <a:schemeClr val="accent1"/>
+          </a:fillRef>
+          <a:effectRef idx="0">
+            <a:schemeClr val="accent1"/>
+          </a:effectRef>
+          <a:fontRef idx="minor">
+            <a:schemeClr val="lt1"/>
+          </a:fontRef>
+        </p:style>
+        <p:txBody>
+          <a:bodyPr rtlCol="0" anchor="ctr"/>
+          <a:lstStyle/>
+          <a:p>
+            <a:pPr algn="ctr"/>
+            <a:endParaRPr lang="LID4096"/>
+          </a:p>
+        </p:txBody>
+      </p:sp>
+      <p:sp>
+        <p:nvSpPr>
+          <p:cNvPr id="16" name="Oval 15">
+            <a:extLst>
+              <a:ext uri="{FF2B5EF4-FFF2-40B4-BE49-F238E27FC236}">
+                <a16:creationId xmlns:a16="http://schemas.microsoft.com/office/drawing/2014/main" id="{637F68D5-2A7B-4B50-9848-B54DBF613A9F}"/>
+              </a:ext>
+            </a:extLst>
+          </p:cNvPr>
+          <p:cNvSpPr/>
+          <p:nvPr/>
+        </p:nvSpPr>
+        <p:spPr>
+          <a:xfrm>
+            <a:off x="4630623" y="4689844"/>
+            <a:ext cx="72000" cy="72000"/>
+          </a:xfrm>
+          <a:prstGeom prst="ellipse">
+            <a:avLst/>
+          </a:prstGeom>
+        </p:spPr>
+        <p:style>
+          <a:lnRef idx="2">
+            <a:schemeClr val="accent1">
+              <a:shade val="50000"/>
+            </a:schemeClr>
+          </a:lnRef>
+          <a:fillRef idx="1">
+            <a:schemeClr val="accent1"/>
+          </a:fillRef>
+          <a:effectRef idx="0">
+            <a:schemeClr val="accent1"/>
+          </a:effectRef>
+          <a:fontRef idx="minor">
+            <a:schemeClr val="lt1"/>
+          </a:fontRef>
+        </p:style>
+        <p:txBody>
+          <a:bodyPr rtlCol="0" anchor="ctr"/>
+          <a:lstStyle/>
+          <a:p>
+            <a:pPr algn="ctr"/>
+            <a:endParaRPr lang="LID4096"/>
+          </a:p>
+        </p:txBody>
+      </p:sp>
+      <p:sp>
+        <p:nvSpPr>
+          <p:cNvPr id="17" name="Oval 16">
+            <a:extLst>
+              <a:ext uri="{FF2B5EF4-FFF2-40B4-BE49-F238E27FC236}">
+                <a16:creationId xmlns:a16="http://schemas.microsoft.com/office/drawing/2014/main" id="{1B2B18A6-345D-4532-BC46-3C4D58105DBF}"/>
+              </a:ext>
+            </a:extLst>
+          </p:cNvPr>
+          <p:cNvSpPr/>
+          <p:nvPr/>
+        </p:nvSpPr>
+        <p:spPr>
+          <a:xfrm>
+            <a:off x="4436772" y="5350368"/>
+            <a:ext cx="72000" cy="72000"/>
+          </a:xfrm>
+          <a:prstGeom prst="ellipse">
+            <a:avLst/>
+          </a:prstGeom>
+        </p:spPr>
+        <p:style>
+          <a:lnRef idx="2">
+            <a:schemeClr val="accent1">
+              <a:shade val="50000"/>
+            </a:schemeClr>
+          </a:lnRef>
+          <a:fillRef idx="1">
+            <a:schemeClr val="accent1"/>
+          </a:fillRef>
+          <a:effectRef idx="0">
+            <a:schemeClr val="accent1"/>
+          </a:effectRef>
+          <a:fontRef idx="minor">
+            <a:schemeClr val="lt1"/>
+          </a:fontRef>
+        </p:style>
+        <p:txBody>
+          <a:bodyPr rtlCol="0" anchor="ctr"/>
+          <a:lstStyle/>
+          <a:p>
+            <a:pPr algn="ctr"/>
+            <a:endParaRPr lang="LID4096"/>
+          </a:p>
+        </p:txBody>
+      </p:sp>
+      <p:sp>
+        <p:nvSpPr>
+          <p:cNvPr id="18" name="Oval 17">
+            <a:extLst>
+              <a:ext uri="{FF2B5EF4-FFF2-40B4-BE49-F238E27FC236}">
+                <a16:creationId xmlns:a16="http://schemas.microsoft.com/office/drawing/2014/main" id="{C724A3E4-37B3-4E5C-AB42-019F15A57A30}"/>
+              </a:ext>
+            </a:extLst>
+          </p:cNvPr>
+          <p:cNvSpPr/>
+          <p:nvPr/>
+        </p:nvSpPr>
+        <p:spPr>
+          <a:xfrm>
+            <a:off x="5545023" y="4808053"/>
+            <a:ext cx="72000" cy="72000"/>
+          </a:xfrm>
+          <a:prstGeom prst="ellipse">
+            <a:avLst/>
+          </a:prstGeom>
+        </p:spPr>
+        <p:style>
+          <a:lnRef idx="2">
+            <a:schemeClr val="accent1">
+              <a:shade val="50000"/>
+            </a:schemeClr>
+          </a:lnRef>
+          <a:fillRef idx="1">
+            <a:schemeClr val="accent1"/>
+          </a:fillRef>
+          <a:effectRef idx="0">
+            <a:schemeClr val="accent1"/>
+          </a:effectRef>
+          <a:fontRef idx="minor">
+            <a:schemeClr val="lt1"/>
+          </a:fontRef>
+        </p:style>
+        <p:txBody>
+          <a:bodyPr rtlCol="0" anchor="ctr"/>
+          <a:lstStyle/>
+          <a:p>
+            <a:pPr algn="ctr"/>
+            <a:endParaRPr lang="LID4096"/>
+          </a:p>
+        </p:txBody>
+      </p:sp>
+      <p:sp>
+        <p:nvSpPr>
+          <p:cNvPr id="19" name="Oval 18">
+            <a:extLst>
+              <a:ext uri="{FF2B5EF4-FFF2-40B4-BE49-F238E27FC236}">
+                <a16:creationId xmlns:a16="http://schemas.microsoft.com/office/drawing/2014/main" id="{6E7B0CC7-52E1-43E6-AA90-D35260C04C3B}"/>
+              </a:ext>
+            </a:extLst>
+          </p:cNvPr>
+          <p:cNvSpPr/>
+          <p:nvPr/>
+        </p:nvSpPr>
+        <p:spPr>
+          <a:xfrm>
+            <a:off x="5087823" y="5147044"/>
+            <a:ext cx="72000" cy="72000"/>
+          </a:xfrm>
+          <a:prstGeom prst="ellipse">
+            <a:avLst/>
+          </a:prstGeom>
+        </p:spPr>
+        <p:style>
+          <a:lnRef idx="2">
+            <a:schemeClr val="accent1">
+              <a:shade val="50000"/>
+            </a:schemeClr>
+          </a:lnRef>
+          <a:fillRef idx="1">
+            <a:schemeClr val="accent1"/>
+          </a:fillRef>
+          <a:effectRef idx="0">
+            <a:schemeClr val="accent1"/>
+          </a:effectRef>
+          <a:fontRef idx="minor">
+            <a:schemeClr val="lt1"/>
+          </a:fontRef>
+        </p:style>
+        <p:txBody>
+          <a:bodyPr rtlCol="0" anchor="ctr"/>
+          <a:lstStyle/>
+          <a:p>
+            <a:pPr algn="ctr"/>
+            <a:endParaRPr lang="LID4096"/>
+          </a:p>
+        </p:txBody>
+      </p:sp>
+      <p:sp>
+        <p:nvSpPr>
+          <p:cNvPr id="20" name="Oval 19">
+            <a:extLst>
+              <a:ext uri="{FF2B5EF4-FFF2-40B4-BE49-F238E27FC236}">
+                <a16:creationId xmlns:a16="http://schemas.microsoft.com/office/drawing/2014/main" id="{050690D7-953C-4461-8F35-4D35139CBA29}"/>
+              </a:ext>
+            </a:extLst>
+          </p:cNvPr>
+          <p:cNvSpPr/>
+          <p:nvPr/>
+        </p:nvSpPr>
+        <p:spPr>
+          <a:xfrm>
+            <a:off x="5849823" y="5240492"/>
+            <a:ext cx="72000" cy="72000"/>
+          </a:xfrm>
+          <a:prstGeom prst="ellipse">
+            <a:avLst/>
+          </a:prstGeom>
+        </p:spPr>
+        <p:style>
+          <a:lnRef idx="2">
+            <a:schemeClr val="accent1">
+              <a:shade val="50000"/>
+            </a:schemeClr>
+          </a:lnRef>
+          <a:fillRef idx="1">
+            <a:schemeClr val="accent1"/>
+          </a:fillRef>
+          <a:effectRef idx="0">
+            <a:schemeClr val="accent1"/>
+          </a:effectRef>
+          <a:fontRef idx="minor">
+            <a:schemeClr val="lt1"/>
+          </a:fontRef>
+        </p:style>
+        <p:txBody>
+          <a:bodyPr rtlCol="0" anchor="ctr"/>
+          <a:lstStyle/>
+          <a:p>
+            <a:pPr algn="ctr"/>
+            <a:endParaRPr lang="LID4096"/>
+          </a:p>
+        </p:txBody>
+      </p:sp>
+      <p:sp>
+        <p:nvSpPr>
+          <p:cNvPr id="21" name="Oval 20">
+            <a:extLst>
+              <a:ext uri="{FF2B5EF4-FFF2-40B4-BE49-F238E27FC236}">
+                <a16:creationId xmlns:a16="http://schemas.microsoft.com/office/drawing/2014/main" id="{313ADAF2-281A-4BB7-BC7C-5B9D8F202438}"/>
+              </a:ext>
+            </a:extLst>
+          </p:cNvPr>
+          <p:cNvSpPr/>
+          <p:nvPr/>
+        </p:nvSpPr>
+        <p:spPr>
+          <a:xfrm>
+            <a:off x="5312223" y="4371996"/>
+            <a:ext cx="72000" cy="72000"/>
+          </a:xfrm>
+          <a:prstGeom prst="ellipse">
+            <a:avLst/>
+          </a:prstGeom>
+        </p:spPr>
+        <p:style>
+          <a:lnRef idx="2">
+            <a:schemeClr val="accent1">
+              <a:shade val="50000"/>
+            </a:schemeClr>
+          </a:lnRef>
+          <a:fillRef idx="1">
+            <a:schemeClr val="accent1"/>
+          </a:fillRef>
+          <a:effectRef idx="0">
+            <a:schemeClr val="accent1"/>
+          </a:effectRef>
+          <a:fontRef idx="minor">
+            <a:schemeClr val="lt1"/>
+          </a:fontRef>
+        </p:style>
+        <p:txBody>
+          <a:bodyPr rtlCol="0" anchor="ctr"/>
+          <a:lstStyle/>
+          <a:p>
+            <a:pPr algn="ctr"/>
+            <a:endParaRPr lang="LID4096"/>
+          </a:p>
+        </p:txBody>
+      </p:sp>
+      <p:sp>
+        <p:nvSpPr>
+          <p:cNvPr id="22" name="Oval 21">
+            <a:extLst>
+              <a:ext uri="{FF2B5EF4-FFF2-40B4-BE49-F238E27FC236}">
+                <a16:creationId xmlns:a16="http://schemas.microsoft.com/office/drawing/2014/main" id="{9F34E44C-8BAA-4F92-870C-5CCF2ED3D865}"/>
+              </a:ext>
+            </a:extLst>
+          </p:cNvPr>
+          <p:cNvSpPr/>
+          <p:nvPr/>
+        </p:nvSpPr>
+        <p:spPr>
+          <a:xfrm>
+            <a:off x="5545023" y="5604244"/>
+            <a:ext cx="72000" cy="72000"/>
+          </a:xfrm>
+          <a:prstGeom prst="ellipse">
+            <a:avLst/>
+          </a:prstGeom>
+        </p:spPr>
+        <p:style>
+          <a:lnRef idx="2">
+            <a:schemeClr val="accent1">
+              <a:shade val="50000"/>
+            </a:schemeClr>
+          </a:lnRef>
+          <a:fillRef idx="1">
+            <a:schemeClr val="accent1"/>
+          </a:fillRef>
+          <a:effectRef idx="0">
+            <a:schemeClr val="accent1"/>
+          </a:effectRef>
+          <a:fontRef idx="minor">
+            <a:schemeClr val="lt1"/>
+          </a:fontRef>
+        </p:style>
+        <p:txBody>
+          <a:bodyPr rtlCol="0" anchor="ctr"/>
+          <a:lstStyle/>
+          <a:p>
+            <a:pPr algn="ctr"/>
+            <a:endParaRPr lang="LID4096"/>
+          </a:p>
+        </p:txBody>
+      </p:sp>
+      <p:sp>
+        <p:nvSpPr>
+          <p:cNvPr id="23" name="Oval 22">
+            <a:extLst>
+              <a:ext uri="{FF2B5EF4-FFF2-40B4-BE49-F238E27FC236}">
+                <a16:creationId xmlns:a16="http://schemas.microsoft.com/office/drawing/2014/main" id="{F79EA579-FDFE-4B3F-AEA2-4809D60D3BEB}"/>
+              </a:ext>
+            </a:extLst>
+          </p:cNvPr>
+          <p:cNvSpPr/>
+          <p:nvPr/>
+        </p:nvSpPr>
+        <p:spPr>
+          <a:xfrm>
+            <a:off x="5921823" y="4905396"/>
+            <a:ext cx="72000" cy="72000"/>
+          </a:xfrm>
+          <a:prstGeom prst="ellipse">
+            <a:avLst/>
+          </a:prstGeom>
+        </p:spPr>
+        <p:style>
+          <a:lnRef idx="2">
+            <a:schemeClr val="accent1">
+              <a:shade val="50000"/>
+            </a:schemeClr>
+          </a:lnRef>
+          <a:fillRef idx="1">
+            <a:schemeClr val="accent1"/>
+          </a:fillRef>
+          <a:effectRef idx="0">
+            <a:schemeClr val="accent1"/>
+          </a:effectRef>
+          <a:fontRef idx="minor">
+            <a:schemeClr val="lt1"/>
+          </a:fontRef>
+        </p:style>
+        <p:txBody>
+          <a:bodyPr rtlCol="0" anchor="ctr"/>
+          <a:lstStyle/>
+          <a:p>
+            <a:pPr algn="ctr"/>
+            <a:endParaRPr lang="LID4096"/>
+          </a:p>
+        </p:txBody>
+      </p:sp>
+      <p:sp>
+        <p:nvSpPr>
+          <p:cNvPr id="24" name="Oval 23">
+            <a:extLst>
+              <a:ext uri="{FF2B5EF4-FFF2-40B4-BE49-F238E27FC236}">
+                <a16:creationId xmlns:a16="http://schemas.microsoft.com/office/drawing/2014/main" id="{7EEEE6C7-72A9-4B1B-80E0-A1184FC70981}"/>
+              </a:ext>
+            </a:extLst>
+          </p:cNvPr>
+          <p:cNvSpPr/>
+          <p:nvPr/>
+        </p:nvSpPr>
+        <p:spPr>
+          <a:xfrm>
+            <a:off x="4855023" y="5603854"/>
+            <a:ext cx="72000" cy="72000"/>
+          </a:xfrm>
+          <a:prstGeom prst="ellipse">
+            <a:avLst/>
+          </a:prstGeom>
+        </p:spPr>
+        <p:style>
+          <a:lnRef idx="2">
+            <a:schemeClr val="accent1">
+              <a:shade val="50000"/>
+            </a:schemeClr>
+          </a:lnRef>
+          <a:fillRef idx="1">
+            <a:schemeClr val="accent1"/>
+          </a:fillRef>
+          <a:effectRef idx="0">
+            <a:schemeClr val="accent1"/>
+          </a:effectRef>
+          <a:fontRef idx="minor">
+            <a:schemeClr val="lt1"/>
+          </a:fontRef>
+        </p:style>
+        <p:txBody>
+          <a:bodyPr rtlCol="0" anchor="ctr"/>
+          <a:lstStyle/>
+          <a:p>
+            <a:pPr algn="ctr"/>
+            <a:endParaRPr lang="LID4096"/>
+          </a:p>
+        </p:txBody>
+      </p:sp>
+      <p:sp>
+        <p:nvSpPr>
+          <p:cNvPr id="25" name="Oval 24">
+            <a:extLst>
+              <a:ext uri="{FF2B5EF4-FFF2-40B4-BE49-F238E27FC236}">
+                <a16:creationId xmlns:a16="http://schemas.microsoft.com/office/drawing/2014/main" id="{F05D7436-474F-4A1F-BF17-65F372E0FC49}"/>
+              </a:ext>
+            </a:extLst>
+          </p:cNvPr>
+          <p:cNvSpPr/>
+          <p:nvPr/>
+        </p:nvSpPr>
+        <p:spPr>
+          <a:xfrm>
+            <a:off x="4233683" y="4869396"/>
+            <a:ext cx="72000" cy="72000"/>
+          </a:xfrm>
+          <a:prstGeom prst="ellipse">
+            <a:avLst/>
+          </a:prstGeom>
+        </p:spPr>
+        <p:style>
+          <a:lnRef idx="2">
+            <a:schemeClr val="accent1">
+              <a:shade val="50000"/>
+            </a:schemeClr>
+          </a:lnRef>
+          <a:fillRef idx="1">
+            <a:schemeClr val="accent1"/>
+          </a:fillRef>
+          <a:effectRef idx="0">
+            <a:schemeClr val="accent1"/>
+          </a:effectRef>
+          <a:fontRef idx="minor">
+            <a:schemeClr val="lt1"/>
+          </a:fontRef>
+        </p:style>
+        <p:txBody>
+          <a:bodyPr rtlCol="0" anchor="ctr"/>
+          <a:lstStyle/>
+          <a:p>
+            <a:pPr algn="ctr"/>
+            <a:endParaRPr lang="LID4096"/>
+          </a:p>
+        </p:txBody>
+      </p:sp>
+      <p:sp>
+        <p:nvSpPr>
+          <p:cNvPr id="26" name="Oval 25">
+            <a:extLst>
+              <a:ext uri="{FF2B5EF4-FFF2-40B4-BE49-F238E27FC236}">
+                <a16:creationId xmlns:a16="http://schemas.microsoft.com/office/drawing/2014/main" id="{B1CBF6B4-57FA-483C-85EE-23794FB3DF21}"/>
+              </a:ext>
+            </a:extLst>
+          </p:cNvPr>
+          <p:cNvSpPr/>
+          <p:nvPr/>
+        </p:nvSpPr>
+        <p:spPr>
+          <a:xfrm>
+            <a:off x="5993823" y="4470953"/>
+            <a:ext cx="72000" cy="72000"/>
+          </a:xfrm>
+          <a:prstGeom prst="ellipse">
+            <a:avLst/>
+          </a:prstGeom>
+        </p:spPr>
+        <p:style>
+          <a:lnRef idx="2">
+            <a:schemeClr val="accent1">
+              <a:shade val="50000"/>
+            </a:schemeClr>
+          </a:lnRef>
+          <a:fillRef idx="1">
+            <a:schemeClr val="accent1"/>
+          </a:fillRef>
+          <a:effectRef idx="0">
+            <a:schemeClr val="accent1"/>
+          </a:effectRef>
+          <a:fontRef idx="minor">
+            <a:schemeClr val="lt1"/>
+          </a:fontRef>
+        </p:style>
+        <p:txBody>
+          <a:bodyPr rtlCol="0" anchor="ctr"/>
+          <a:lstStyle/>
+          <a:p>
+            <a:pPr algn="ctr"/>
+            <a:endParaRPr lang="LID4096"/>
+          </a:p>
+        </p:txBody>
+      </p:sp>
+      <p:sp>
+        <p:nvSpPr>
+          <p:cNvPr id="27" name="Oval 26">
+            <a:extLst>
+              <a:ext uri="{FF2B5EF4-FFF2-40B4-BE49-F238E27FC236}">
+                <a16:creationId xmlns:a16="http://schemas.microsoft.com/office/drawing/2014/main" id="{E3D17EBD-FEA5-40C4-A3D2-08FC3CAA7CEE}"/>
+              </a:ext>
+            </a:extLst>
+          </p:cNvPr>
+          <p:cNvSpPr/>
+          <p:nvPr/>
+        </p:nvSpPr>
+        <p:spPr>
+          <a:xfrm>
+            <a:off x="5545023" y="4162618"/>
+            <a:ext cx="72000" cy="72000"/>
+          </a:xfrm>
+          <a:prstGeom prst="ellipse">
+            <a:avLst/>
+          </a:prstGeom>
+        </p:spPr>
+        <p:style>
+          <a:lnRef idx="2">
+            <a:schemeClr val="accent1">
+              <a:shade val="50000"/>
+            </a:schemeClr>
+          </a:lnRef>
+          <a:fillRef idx="1">
+            <a:schemeClr val="accent1"/>
+          </a:fillRef>
+          <a:effectRef idx="0">
+            <a:schemeClr val="accent1"/>
+          </a:effectRef>
+          <a:fontRef idx="minor">
+            <a:schemeClr val="lt1"/>
+          </a:fontRef>
+        </p:style>
+        <p:txBody>
+          <a:bodyPr rtlCol="0" anchor="ctr"/>
+          <a:lstStyle/>
+          <a:p>
+            <a:pPr algn="ctr"/>
+            <a:endParaRPr lang="LID4096"/>
+          </a:p>
+        </p:txBody>
+      </p:sp>
+      <p:sp>
+        <p:nvSpPr>
+          <p:cNvPr id="28" name="Oval 27">
+            <a:extLst>
+              <a:ext uri="{FF2B5EF4-FFF2-40B4-BE49-F238E27FC236}">
+                <a16:creationId xmlns:a16="http://schemas.microsoft.com/office/drawing/2014/main" id="{BAE82839-C553-4FD0-8AA8-6B339B238D83}"/>
+              </a:ext>
+            </a:extLst>
+          </p:cNvPr>
+          <p:cNvSpPr/>
+          <p:nvPr/>
+        </p:nvSpPr>
+        <p:spPr>
+          <a:xfrm>
+            <a:off x="6591626" y="5011893"/>
+            <a:ext cx="72000" cy="72000"/>
+          </a:xfrm>
+          <a:prstGeom prst="ellipse">
+            <a:avLst/>
+          </a:prstGeom>
+        </p:spPr>
+        <p:style>
+          <a:lnRef idx="2">
+            <a:schemeClr val="accent1">
+              <a:shade val="50000"/>
+            </a:schemeClr>
+          </a:lnRef>
+          <a:fillRef idx="1">
+            <a:schemeClr val="accent1"/>
+          </a:fillRef>
+          <a:effectRef idx="0">
+            <a:schemeClr val="accent1"/>
+          </a:effectRef>
+          <a:fontRef idx="minor">
+            <a:schemeClr val="lt1"/>
+          </a:fontRef>
+        </p:style>
+        <p:txBody>
+          <a:bodyPr rtlCol="0" anchor="ctr"/>
+          <a:lstStyle/>
+          <a:p>
+            <a:pPr algn="ctr"/>
+            <a:endParaRPr lang="LID4096"/>
+          </a:p>
+        </p:txBody>
+      </p:sp>
+      <p:sp>
+        <p:nvSpPr>
+          <p:cNvPr id="29" name="Oval 28">
+            <a:extLst>
+              <a:ext uri="{FF2B5EF4-FFF2-40B4-BE49-F238E27FC236}">
+                <a16:creationId xmlns:a16="http://schemas.microsoft.com/office/drawing/2014/main" id="{75CEA4BD-9686-4131-8202-C3CF2FD4D057}"/>
+              </a:ext>
+            </a:extLst>
+          </p:cNvPr>
+          <p:cNvSpPr/>
+          <p:nvPr/>
+        </p:nvSpPr>
+        <p:spPr>
+          <a:xfrm>
+            <a:off x="3985023" y="5511657"/>
+            <a:ext cx="72000" cy="72000"/>
+          </a:xfrm>
+          <a:prstGeom prst="ellipse">
+            <a:avLst/>
+          </a:prstGeom>
+        </p:spPr>
+        <p:style>
+          <a:lnRef idx="2">
+            <a:schemeClr val="accent1">
+              <a:shade val="50000"/>
+            </a:schemeClr>
+          </a:lnRef>
+          <a:fillRef idx="1">
+            <a:schemeClr val="accent1"/>
+          </a:fillRef>
+          <a:effectRef idx="0">
+            <a:schemeClr val="accent1"/>
+          </a:effectRef>
+          <a:fontRef idx="minor">
+            <a:schemeClr val="lt1"/>
+          </a:fontRef>
+        </p:style>
+        <p:txBody>
+          <a:bodyPr rtlCol="0" anchor="ctr"/>
+          <a:lstStyle/>
+          <a:p>
+            <a:pPr algn="ctr"/>
+            <a:endParaRPr lang="LID4096"/>
+          </a:p>
+        </p:txBody>
+      </p:sp>
+      <p:sp>
+        <p:nvSpPr>
+          <p:cNvPr id="30" name="Oval 29">
+            <a:extLst>
+              <a:ext uri="{FF2B5EF4-FFF2-40B4-BE49-F238E27FC236}">
+                <a16:creationId xmlns:a16="http://schemas.microsoft.com/office/drawing/2014/main" id="{7B73B031-C86F-4475-BEC0-86C720D3A3B5}"/>
+              </a:ext>
+            </a:extLst>
+          </p:cNvPr>
+          <p:cNvSpPr/>
+          <p:nvPr/>
+        </p:nvSpPr>
+        <p:spPr>
+          <a:xfrm>
+            <a:off x="6405119" y="3855454"/>
+            <a:ext cx="72000" cy="72000"/>
+          </a:xfrm>
+          <a:prstGeom prst="ellipse">
+            <a:avLst/>
+          </a:prstGeom>
+        </p:spPr>
+        <p:style>
+          <a:lnRef idx="2">
+            <a:schemeClr val="accent1">
+              <a:shade val="50000"/>
+            </a:schemeClr>
+          </a:lnRef>
+          <a:fillRef idx="1">
+            <a:schemeClr val="accent1"/>
+          </a:fillRef>
+          <a:effectRef idx="0">
+            <a:schemeClr val="accent1"/>
+          </a:effectRef>
+          <a:fontRef idx="minor">
+            <a:schemeClr val="lt1"/>
+          </a:fontRef>
+        </p:style>
+        <p:txBody>
+          <a:bodyPr rtlCol="0" anchor="ctr"/>
+          <a:lstStyle/>
+          <a:p>
+            <a:pPr algn="ctr"/>
+            <a:endParaRPr lang="LID4096"/>
+          </a:p>
+        </p:txBody>
+      </p:sp>
+      <p:cxnSp>
+        <p:nvCxnSpPr>
+          <p:cNvPr id="31" name="Straight Connector 30">
+            <a:extLst>
+              <a:ext uri="{FF2B5EF4-FFF2-40B4-BE49-F238E27FC236}">
+                <a16:creationId xmlns:a16="http://schemas.microsoft.com/office/drawing/2014/main" id="{D2B00FC9-F6D1-481B-B71C-25C2BE97AAF4}"/>
+              </a:ext>
+            </a:extLst>
+          </p:cNvPr>
+          <p:cNvCxnSpPr>
+            <a:cxnSpLocks/>
+          </p:cNvCxnSpPr>
+          <p:nvPr/>
+        </p:nvCxnSpPr>
+        <p:spPr>
+          <a:xfrm flipV="1">
+            <a:off x="3904921" y="3209747"/>
+            <a:ext cx="3532114" cy="2703125"/>
+          </a:xfrm>
+          <a:prstGeom prst="line">
+            <a:avLst/>
+          </a:prstGeom>
+        </p:spPr>
+        <p:style>
+          <a:lnRef idx="3">
+            <a:schemeClr val="accent1"/>
+          </a:lnRef>
+          <a:fillRef idx="0">
+            <a:schemeClr val="accent1"/>
+          </a:fillRef>
+          <a:effectRef idx="2">
+            <a:schemeClr val="accent1"/>
+          </a:effectRef>
+          <a:fontRef idx="minor">
+            <a:schemeClr val="tx1"/>
+          </a:fontRef>
+        </p:style>
+      </p:cxnSp>
+      <p:cxnSp>
+        <p:nvCxnSpPr>
+          <p:cNvPr id="32" name="Straight Connector 31">
+            <a:extLst>
+              <a:ext uri="{FF2B5EF4-FFF2-40B4-BE49-F238E27FC236}">
+                <a16:creationId xmlns:a16="http://schemas.microsoft.com/office/drawing/2014/main" id="{953B6B65-B6BF-412A-8131-BC314A032E61}"/>
+              </a:ext>
+            </a:extLst>
+          </p:cNvPr>
+          <p:cNvCxnSpPr>
+            <a:cxnSpLocks/>
+          </p:cNvCxnSpPr>
+          <p:nvPr/>
+        </p:nvCxnSpPr>
+        <p:spPr>
+          <a:xfrm>
+            <a:off x="3904920" y="4470953"/>
+            <a:ext cx="4049258" cy="1"/>
+          </a:xfrm>
+          <a:prstGeom prst="line">
+            <a:avLst/>
+          </a:prstGeom>
+        </p:spPr>
+        <p:style>
+          <a:lnRef idx="3">
+            <a:schemeClr val="accent2"/>
+          </a:lnRef>
+          <a:fillRef idx="0">
+            <a:schemeClr val="accent2"/>
+          </a:fillRef>
+          <a:effectRef idx="2">
+            <a:schemeClr val="accent2"/>
+          </a:effectRef>
+          <a:fontRef idx="minor">
+            <a:schemeClr val="tx1"/>
+          </a:fontRef>
+        </p:style>
+      </p:cxnSp>
+    </p:spTree>
+    <p:extLst>
+      <p:ext uri="{BB962C8B-B14F-4D97-AF65-F5344CB8AC3E}">
+        <p14:creationId xmlns:p14="http://schemas.microsoft.com/office/powerpoint/2010/main" val="64958878"/>
+      </p:ext>
+    </p:extLst>
+  </p:cSld>
+  <p:clrMapOvr>
+    <a:masterClrMapping/>
+  </p:clrMapOvr>
+  <p:timing>
+    <p:tnLst>
+      <p:par>
+        <p:cTn id="1" dur="indefinite" restart="never" nodeType="tmRoot">
+          <p:childTnLst>
+            <p:seq concurrent="1" nextAc="seek">
+              <p:cTn id="2" dur="indefinite" nodeType="mainSeq">
+                <p:childTnLst>
+                  <p:par>
+                    <p:cTn id="3" fill="hold">
+                      <p:stCondLst>
+                        <p:cond delay="indefinite"/>
+                      </p:stCondLst>
+                      <p:childTnLst>
+                        <p:par>
+                          <p:cTn id="4" fill="hold">
+                            <p:stCondLst>
+                              <p:cond delay="0"/>
+                            </p:stCondLst>
+                            <p:childTnLst>
+                              <p:par>
+                                <p:cTn id="5" presetID="1" presetClass="entr" presetSubtype="0" fill="hold" grpId="0" nodeType="clickEffect">
+                                  <p:stCondLst>
+                                    <p:cond delay="0"/>
+                                  </p:stCondLst>
+                                  <p:childTnLst>
+                                    <p:set>
+                                      <p:cBhvr>
+                                        <p:cTn id="6" dur="1" fill="hold">
+                                          <p:stCondLst>
+                                            <p:cond delay="0"/>
+                                          </p:stCondLst>
+                                        </p:cTn>
+                                        <p:tgtEl>
+                                          <p:spTgt spid="6"/>
+                                        </p:tgtEl>
+                                        <p:attrNameLst>
+                                          <p:attrName>style.visibility</p:attrName>
+                                        </p:attrNameLst>
+                                      </p:cBhvr>
+                                      <p:to>
+                                        <p:strVal val="visible"/>
+                                      </p:to>
+                                    </p:set>
+                                  </p:childTnLst>
+                                </p:cTn>
+                              </p:par>
+                            </p:childTnLst>
+                          </p:cTn>
+                        </p:par>
+                      </p:childTnLst>
+                    </p:cTn>
+                  </p:par>
+                  <p:par>
+                    <p:cTn id="7" fill="hold">
+                      <p:stCondLst>
+                        <p:cond delay="indefinite"/>
+                      </p:stCondLst>
+                      <p:childTnLst>
+                        <p:par>
+                          <p:cTn id="8" fill="hold">
+                            <p:stCondLst>
+                              <p:cond delay="0"/>
+                            </p:stCondLst>
+                            <p:childTnLst>
+                              <p:par>
+                                <p:cTn id="9" presetID="1" presetClass="entr" presetSubtype="0" fill="hold" nodeType="clickEffect">
+                                  <p:stCondLst>
+                                    <p:cond delay="0"/>
+                                  </p:stCondLst>
+                                  <p:childTnLst>
+                                    <p:set>
+                                      <p:cBhvr>
+                                        <p:cTn id="10" dur="1" fill="hold">
+                                          <p:stCondLst>
+                                            <p:cond delay="0"/>
+                                          </p:stCondLst>
+                                        </p:cTn>
+                                        <p:tgtEl>
+                                          <p:spTgt spid="9"/>
+                                        </p:tgtEl>
+                                        <p:attrNameLst>
+                                          <p:attrName>style.visibility</p:attrName>
+                                        </p:attrNameLst>
+                                      </p:cBhvr>
+                                      <p:to>
+                                        <p:strVal val="visible"/>
+                                      </p:to>
+                                    </p:set>
+                                  </p:childTnLst>
+                                </p:cTn>
+                              </p:par>
+                              <p:par>
+                                <p:cTn id="11" presetID="1" presetClass="entr" presetSubtype="0" fill="hold" nodeType="withEffect">
+                                  <p:stCondLst>
+                                    <p:cond delay="0"/>
+                                  </p:stCondLst>
+                                  <p:childTnLst>
+                                    <p:set>
+                                      <p:cBhvr>
+                                        <p:cTn id="12" dur="1" fill="hold">
+                                          <p:stCondLst>
+                                            <p:cond delay="0"/>
+                                          </p:stCondLst>
+                                        </p:cTn>
+                                        <p:tgtEl>
+                                          <p:spTgt spid="10"/>
+                                        </p:tgtEl>
+                                        <p:attrNameLst>
+                                          <p:attrName>style.visibility</p:attrName>
+                                        </p:attrNameLst>
+                                      </p:cBhvr>
+                                      <p:to>
+                                        <p:strVal val="visible"/>
+                                      </p:to>
+                                    </p:set>
+                                  </p:childTnLst>
+                                </p:cTn>
+                              </p:par>
+                              <p:par>
+                                <p:cTn id="13" presetID="1" presetClass="entr" presetSubtype="0" fill="hold" grpId="0" nodeType="withEffect">
+                                  <p:stCondLst>
+                                    <p:cond delay="0"/>
+                                  </p:stCondLst>
+                                  <p:childTnLst>
+                                    <p:set>
+                                      <p:cBhvr>
+                                        <p:cTn id="14" dur="1" fill="hold">
+                                          <p:stCondLst>
+                                            <p:cond delay="0"/>
+                                          </p:stCondLst>
+                                        </p:cTn>
+                                        <p:tgtEl>
+                                          <p:spTgt spid="11"/>
+                                        </p:tgtEl>
+                                        <p:attrNameLst>
+                                          <p:attrName>style.visibility</p:attrName>
+                                        </p:attrNameLst>
+                                      </p:cBhvr>
+                                      <p:to>
+                                        <p:strVal val="visible"/>
+                                      </p:to>
+                                    </p:set>
+                                  </p:childTnLst>
+                                </p:cTn>
+                              </p:par>
+                              <p:par>
+                                <p:cTn id="15" presetID="1" presetClass="entr" presetSubtype="0" fill="hold" grpId="0" nodeType="withEffect">
+                                  <p:stCondLst>
+                                    <p:cond delay="0"/>
+                                  </p:stCondLst>
+                                  <p:childTnLst>
+                                    <p:set>
+                                      <p:cBhvr>
+                                        <p:cTn id="16" dur="1" fill="hold">
+                                          <p:stCondLst>
+                                            <p:cond delay="0"/>
+                                          </p:stCondLst>
+                                        </p:cTn>
+                                        <p:tgtEl>
+                                          <p:spTgt spid="12"/>
+                                        </p:tgtEl>
+                                        <p:attrNameLst>
+                                          <p:attrName>style.visibility</p:attrName>
+                                        </p:attrNameLst>
+                                      </p:cBhvr>
+                                      <p:to>
+                                        <p:strVal val="visible"/>
+                                      </p:to>
+                                    </p:set>
+                                  </p:childTnLst>
+                                </p:cTn>
+                              </p:par>
+                              <p:par>
+                                <p:cTn id="17" presetID="1" presetClass="entr" presetSubtype="0" fill="hold" grpId="0" nodeType="withEffect">
+                                  <p:stCondLst>
+                                    <p:cond delay="0"/>
+                                  </p:stCondLst>
+                                  <p:childTnLst>
+                                    <p:set>
+                                      <p:cBhvr>
+                                        <p:cTn id="18" dur="1" fill="hold">
+                                          <p:stCondLst>
+                                            <p:cond delay="0"/>
+                                          </p:stCondLst>
+                                        </p:cTn>
+                                        <p:tgtEl>
+                                          <p:spTgt spid="13"/>
+                                        </p:tgtEl>
+                                        <p:attrNameLst>
+                                          <p:attrName>style.visibility</p:attrName>
+                                        </p:attrNameLst>
+                                      </p:cBhvr>
+                                      <p:to>
+                                        <p:strVal val="visible"/>
+                                      </p:to>
+                                    </p:set>
+                                  </p:childTnLst>
+                                </p:cTn>
+                              </p:par>
+                              <p:par>
+                                <p:cTn id="19" presetID="1" presetClass="entr" presetSubtype="0" fill="hold" grpId="0" nodeType="withEffect">
+                                  <p:stCondLst>
+                                    <p:cond delay="0"/>
+                                  </p:stCondLst>
+                                  <p:childTnLst>
+                                    <p:set>
+                                      <p:cBhvr>
+                                        <p:cTn id="20" dur="1" fill="hold">
+                                          <p:stCondLst>
+                                            <p:cond delay="0"/>
+                                          </p:stCondLst>
+                                        </p:cTn>
+                                        <p:tgtEl>
+                                          <p:spTgt spid="14"/>
+                                        </p:tgtEl>
+                                        <p:attrNameLst>
+                                          <p:attrName>style.visibility</p:attrName>
+                                        </p:attrNameLst>
+                                      </p:cBhvr>
+                                      <p:to>
+                                        <p:strVal val="visible"/>
+                                      </p:to>
+                                    </p:set>
+                                  </p:childTnLst>
+                                </p:cTn>
+                              </p:par>
+                              <p:par>
+                                <p:cTn id="21" presetID="1" presetClass="entr" presetSubtype="0" fill="hold" grpId="0" nodeType="withEffect">
+                                  <p:stCondLst>
+                                    <p:cond delay="0"/>
+                                  </p:stCondLst>
+                                  <p:childTnLst>
+                                    <p:set>
+                                      <p:cBhvr>
+                                        <p:cTn id="22" dur="1" fill="hold">
+                                          <p:stCondLst>
+                                            <p:cond delay="0"/>
+                                          </p:stCondLst>
+                                        </p:cTn>
+                                        <p:tgtEl>
+                                          <p:spTgt spid="15"/>
+                                        </p:tgtEl>
+                                        <p:attrNameLst>
+                                          <p:attrName>style.visibility</p:attrName>
+                                        </p:attrNameLst>
+                                      </p:cBhvr>
+                                      <p:to>
+                                        <p:strVal val="visible"/>
+                                      </p:to>
+                                    </p:set>
+                                  </p:childTnLst>
+                                </p:cTn>
+                              </p:par>
+                              <p:par>
+                                <p:cTn id="23" presetID="1" presetClass="entr" presetSubtype="0" fill="hold" grpId="0" nodeType="withEffect">
+                                  <p:stCondLst>
+                                    <p:cond delay="0"/>
+                                  </p:stCondLst>
+                                  <p:childTnLst>
+                                    <p:set>
+                                      <p:cBhvr>
+                                        <p:cTn id="24" dur="1" fill="hold">
+                                          <p:stCondLst>
+                                            <p:cond delay="0"/>
+                                          </p:stCondLst>
+                                        </p:cTn>
+                                        <p:tgtEl>
+                                          <p:spTgt spid="16"/>
+                                        </p:tgtEl>
+                                        <p:attrNameLst>
+                                          <p:attrName>style.visibility</p:attrName>
+                                        </p:attrNameLst>
+                                      </p:cBhvr>
+                                      <p:to>
+                                        <p:strVal val="visible"/>
+                                      </p:to>
+                                    </p:set>
+                                  </p:childTnLst>
+                                </p:cTn>
+                              </p:par>
+                              <p:par>
+                                <p:cTn id="25" presetID="1" presetClass="entr" presetSubtype="0" fill="hold" grpId="0" nodeType="withEffect">
+                                  <p:stCondLst>
+                                    <p:cond delay="0"/>
+                                  </p:stCondLst>
+                                  <p:childTnLst>
+                                    <p:set>
+                                      <p:cBhvr>
+                                        <p:cTn id="26" dur="1" fill="hold">
+                                          <p:stCondLst>
+                                            <p:cond delay="0"/>
+                                          </p:stCondLst>
+                                        </p:cTn>
+                                        <p:tgtEl>
+                                          <p:spTgt spid="17"/>
+                                        </p:tgtEl>
+                                        <p:attrNameLst>
+                                          <p:attrName>style.visibility</p:attrName>
+                                        </p:attrNameLst>
+                                      </p:cBhvr>
+                                      <p:to>
+                                        <p:strVal val="visible"/>
+                                      </p:to>
+                                    </p:set>
+                                  </p:childTnLst>
+                                </p:cTn>
+                              </p:par>
+                              <p:par>
+                                <p:cTn id="27" presetID="1" presetClass="entr" presetSubtype="0" fill="hold" grpId="0" nodeType="withEffect">
+                                  <p:stCondLst>
+                                    <p:cond delay="0"/>
+                                  </p:stCondLst>
+                                  <p:childTnLst>
+                                    <p:set>
+                                      <p:cBhvr>
+                                        <p:cTn id="28" dur="1" fill="hold">
+                                          <p:stCondLst>
+                                            <p:cond delay="0"/>
+                                          </p:stCondLst>
+                                        </p:cTn>
+                                        <p:tgtEl>
+                                          <p:spTgt spid="18"/>
+                                        </p:tgtEl>
+                                        <p:attrNameLst>
+                                          <p:attrName>style.visibility</p:attrName>
+                                        </p:attrNameLst>
+                                      </p:cBhvr>
+                                      <p:to>
+                                        <p:strVal val="visible"/>
+                                      </p:to>
+                                    </p:set>
+                                  </p:childTnLst>
+                                </p:cTn>
+                              </p:par>
+                              <p:par>
+                                <p:cTn id="29" presetID="1" presetClass="entr" presetSubtype="0" fill="hold" grpId="0" nodeType="withEffect">
+                                  <p:stCondLst>
+                                    <p:cond delay="0"/>
+                                  </p:stCondLst>
+                                  <p:childTnLst>
+                                    <p:set>
+                                      <p:cBhvr>
+                                        <p:cTn id="30" dur="1" fill="hold">
+                                          <p:stCondLst>
+                                            <p:cond delay="0"/>
+                                          </p:stCondLst>
+                                        </p:cTn>
+                                        <p:tgtEl>
+                                          <p:spTgt spid="19"/>
+                                        </p:tgtEl>
+                                        <p:attrNameLst>
+                                          <p:attrName>style.visibility</p:attrName>
+                                        </p:attrNameLst>
+                                      </p:cBhvr>
+                                      <p:to>
+                                        <p:strVal val="visible"/>
+                                      </p:to>
+                                    </p:set>
+                                  </p:childTnLst>
+                                </p:cTn>
+                              </p:par>
+                              <p:par>
+                                <p:cTn id="31" presetID="1" presetClass="entr" presetSubtype="0" fill="hold" grpId="0" nodeType="withEffect">
+                                  <p:stCondLst>
+                                    <p:cond delay="0"/>
+                                  </p:stCondLst>
+                                  <p:childTnLst>
+                                    <p:set>
+                                      <p:cBhvr>
+                                        <p:cTn id="32" dur="1" fill="hold">
+                                          <p:stCondLst>
+                                            <p:cond delay="0"/>
+                                          </p:stCondLst>
+                                        </p:cTn>
+                                        <p:tgtEl>
+                                          <p:spTgt spid="20"/>
+                                        </p:tgtEl>
+                                        <p:attrNameLst>
+                                          <p:attrName>style.visibility</p:attrName>
+                                        </p:attrNameLst>
+                                      </p:cBhvr>
+                                      <p:to>
+                                        <p:strVal val="visible"/>
+                                      </p:to>
+                                    </p:set>
+                                  </p:childTnLst>
+                                </p:cTn>
+                              </p:par>
+                              <p:par>
+                                <p:cTn id="33" presetID="1" presetClass="entr" presetSubtype="0" fill="hold" grpId="0" nodeType="withEffect">
+                                  <p:stCondLst>
+                                    <p:cond delay="0"/>
+                                  </p:stCondLst>
+                                  <p:childTnLst>
+                                    <p:set>
+                                      <p:cBhvr>
+                                        <p:cTn id="34" dur="1" fill="hold">
+                                          <p:stCondLst>
+                                            <p:cond delay="0"/>
+                                          </p:stCondLst>
+                                        </p:cTn>
+                                        <p:tgtEl>
+                                          <p:spTgt spid="21"/>
+                                        </p:tgtEl>
+                                        <p:attrNameLst>
+                                          <p:attrName>style.visibility</p:attrName>
+                                        </p:attrNameLst>
+                                      </p:cBhvr>
+                                      <p:to>
+                                        <p:strVal val="visible"/>
+                                      </p:to>
+                                    </p:set>
+                                  </p:childTnLst>
+                                </p:cTn>
+                              </p:par>
+                              <p:par>
+                                <p:cTn id="35" presetID="1" presetClass="entr" presetSubtype="0" fill="hold" grpId="0" nodeType="withEffect">
+                                  <p:stCondLst>
+                                    <p:cond delay="0"/>
+                                  </p:stCondLst>
+                                  <p:childTnLst>
+                                    <p:set>
+                                      <p:cBhvr>
+                                        <p:cTn id="36" dur="1" fill="hold">
+                                          <p:stCondLst>
+                                            <p:cond delay="0"/>
+                                          </p:stCondLst>
+                                        </p:cTn>
+                                        <p:tgtEl>
+                                          <p:spTgt spid="22"/>
+                                        </p:tgtEl>
+                                        <p:attrNameLst>
+                                          <p:attrName>style.visibility</p:attrName>
+                                        </p:attrNameLst>
+                                      </p:cBhvr>
+                                      <p:to>
+                                        <p:strVal val="visible"/>
+                                      </p:to>
+                                    </p:set>
+                                  </p:childTnLst>
+                                </p:cTn>
+                              </p:par>
+                              <p:par>
+                                <p:cTn id="37" presetID="1" presetClass="entr" presetSubtype="0" fill="hold" grpId="0" nodeType="withEffect">
+                                  <p:stCondLst>
+                                    <p:cond delay="0"/>
+                                  </p:stCondLst>
+                                  <p:childTnLst>
+                                    <p:set>
+                                      <p:cBhvr>
+                                        <p:cTn id="38" dur="1" fill="hold">
+                                          <p:stCondLst>
+                                            <p:cond delay="0"/>
+                                          </p:stCondLst>
+                                        </p:cTn>
+                                        <p:tgtEl>
+                                          <p:spTgt spid="23"/>
+                                        </p:tgtEl>
+                                        <p:attrNameLst>
+                                          <p:attrName>style.visibility</p:attrName>
+                                        </p:attrNameLst>
+                                      </p:cBhvr>
+                                      <p:to>
+                                        <p:strVal val="visible"/>
+                                      </p:to>
+                                    </p:set>
+                                  </p:childTnLst>
+                                </p:cTn>
+                              </p:par>
+                              <p:par>
+                                <p:cTn id="39" presetID="1" presetClass="entr" presetSubtype="0" fill="hold" grpId="0" nodeType="withEffect">
+                                  <p:stCondLst>
+                                    <p:cond delay="0"/>
+                                  </p:stCondLst>
+                                  <p:childTnLst>
+                                    <p:set>
+                                      <p:cBhvr>
+                                        <p:cTn id="40" dur="1" fill="hold">
+                                          <p:stCondLst>
+                                            <p:cond delay="0"/>
+                                          </p:stCondLst>
+                                        </p:cTn>
+                                        <p:tgtEl>
+                                          <p:spTgt spid="24"/>
+                                        </p:tgtEl>
+                                        <p:attrNameLst>
+                                          <p:attrName>style.visibility</p:attrName>
+                                        </p:attrNameLst>
+                                      </p:cBhvr>
+                                      <p:to>
+                                        <p:strVal val="visible"/>
+                                      </p:to>
+                                    </p:set>
+                                  </p:childTnLst>
+                                </p:cTn>
+                              </p:par>
+                              <p:par>
+                                <p:cTn id="41" presetID="1" presetClass="entr" presetSubtype="0" fill="hold" grpId="0" nodeType="withEffect">
+                                  <p:stCondLst>
+                                    <p:cond delay="0"/>
+                                  </p:stCondLst>
+                                  <p:childTnLst>
+                                    <p:set>
+                                      <p:cBhvr>
+                                        <p:cTn id="42" dur="1" fill="hold">
+                                          <p:stCondLst>
+                                            <p:cond delay="0"/>
+                                          </p:stCondLst>
+                                        </p:cTn>
+                                        <p:tgtEl>
+                                          <p:spTgt spid="25"/>
+                                        </p:tgtEl>
+                                        <p:attrNameLst>
+                                          <p:attrName>style.visibility</p:attrName>
+                                        </p:attrNameLst>
+                                      </p:cBhvr>
+                                      <p:to>
+                                        <p:strVal val="visible"/>
+                                      </p:to>
+                                    </p:set>
+                                  </p:childTnLst>
+                                </p:cTn>
+                              </p:par>
+                              <p:par>
+                                <p:cTn id="43" presetID="1" presetClass="entr" presetSubtype="0" fill="hold" grpId="0" nodeType="withEffect">
+                                  <p:stCondLst>
+                                    <p:cond delay="0"/>
+                                  </p:stCondLst>
+                                  <p:childTnLst>
+                                    <p:set>
+                                      <p:cBhvr>
+                                        <p:cTn id="44" dur="1" fill="hold">
+                                          <p:stCondLst>
+                                            <p:cond delay="0"/>
+                                          </p:stCondLst>
+                                        </p:cTn>
+                                        <p:tgtEl>
+                                          <p:spTgt spid="26"/>
+                                        </p:tgtEl>
+                                        <p:attrNameLst>
+                                          <p:attrName>style.visibility</p:attrName>
+                                        </p:attrNameLst>
+                                      </p:cBhvr>
+                                      <p:to>
+                                        <p:strVal val="visible"/>
+                                      </p:to>
+                                    </p:set>
+                                  </p:childTnLst>
+                                </p:cTn>
+                              </p:par>
+                              <p:par>
+                                <p:cTn id="45" presetID="1" presetClass="entr" presetSubtype="0" fill="hold" grpId="0" nodeType="withEffect">
+                                  <p:stCondLst>
+                                    <p:cond delay="0"/>
+                                  </p:stCondLst>
+                                  <p:childTnLst>
+                                    <p:set>
+                                      <p:cBhvr>
+                                        <p:cTn id="46" dur="1" fill="hold">
+                                          <p:stCondLst>
+                                            <p:cond delay="0"/>
+                                          </p:stCondLst>
+                                        </p:cTn>
+                                        <p:tgtEl>
+                                          <p:spTgt spid="27"/>
+                                        </p:tgtEl>
+                                        <p:attrNameLst>
+                                          <p:attrName>style.visibility</p:attrName>
+                                        </p:attrNameLst>
+                                      </p:cBhvr>
+                                      <p:to>
+                                        <p:strVal val="visible"/>
+                                      </p:to>
+                                    </p:set>
+                                  </p:childTnLst>
+                                </p:cTn>
+                              </p:par>
+                              <p:par>
+                                <p:cTn id="47" presetID="1" presetClass="entr" presetSubtype="0" fill="hold" grpId="0" nodeType="withEffect">
+                                  <p:stCondLst>
+                                    <p:cond delay="0"/>
+                                  </p:stCondLst>
+                                  <p:childTnLst>
+                                    <p:set>
+                                      <p:cBhvr>
+                                        <p:cTn id="48" dur="1" fill="hold">
+                                          <p:stCondLst>
+                                            <p:cond delay="0"/>
+                                          </p:stCondLst>
+                                        </p:cTn>
+                                        <p:tgtEl>
+                                          <p:spTgt spid="28"/>
+                                        </p:tgtEl>
+                                        <p:attrNameLst>
+                                          <p:attrName>style.visibility</p:attrName>
+                                        </p:attrNameLst>
+                                      </p:cBhvr>
+                                      <p:to>
+                                        <p:strVal val="visible"/>
+                                      </p:to>
+                                    </p:set>
+                                  </p:childTnLst>
+                                </p:cTn>
+                              </p:par>
+                              <p:par>
+                                <p:cTn id="49" presetID="1" presetClass="entr" presetSubtype="0" fill="hold" grpId="0" nodeType="withEffect">
+                                  <p:stCondLst>
+                                    <p:cond delay="0"/>
+                                  </p:stCondLst>
+                                  <p:childTnLst>
+                                    <p:set>
+                                      <p:cBhvr>
+                                        <p:cTn id="50" dur="1" fill="hold">
+                                          <p:stCondLst>
+                                            <p:cond delay="0"/>
+                                          </p:stCondLst>
+                                        </p:cTn>
+                                        <p:tgtEl>
+                                          <p:spTgt spid="29"/>
+                                        </p:tgtEl>
+                                        <p:attrNameLst>
+                                          <p:attrName>style.visibility</p:attrName>
+                                        </p:attrNameLst>
+                                      </p:cBhvr>
+                                      <p:to>
+                                        <p:strVal val="visible"/>
+                                      </p:to>
+                                    </p:set>
+                                  </p:childTnLst>
+                                </p:cTn>
+                              </p:par>
+                              <p:par>
+                                <p:cTn id="51" presetID="1" presetClass="entr" presetSubtype="0" fill="hold" grpId="0" nodeType="withEffect">
+                                  <p:stCondLst>
+                                    <p:cond delay="0"/>
+                                  </p:stCondLst>
+                                  <p:childTnLst>
+                                    <p:set>
+                                      <p:cBhvr>
+                                        <p:cTn id="52" dur="1" fill="hold">
+                                          <p:stCondLst>
+                                            <p:cond delay="0"/>
+                                          </p:stCondLst>
+                                        </p:cTn>
+                                        <p:tgtEl>
+                                          <p:spTgt spid="30"/>
+                                        </p:tgtEl>
+                                        <p:attrNameLst>
+                                          <p:attrName>style.visibility</p:attrName>
+                                        </p:attrNameLst>
+                                      </p:cBhvr>
+                                      <p:to>
+                                        <p:strVal val="visible"/>
+                                      </p:to>
+                                    </p:set>
+                                  </p:childTnLst>
+                                </p:cTn>
+                              </p:par>
+                              <p:par>
+                                <p:cTn id="53" presetID="1" presetClass="entr" presetSubtype="0" fill="hold" nodeType="withEffect">
+                                  <p:stCondLst>
+                                    <p:cond delay="0"/>
+                                  </p:stCondLst>
+                                  <p:childTnLst>
+                                    <p:set>
+                                      <p:cBhvr>
+                                        <p:cTn id="54" dur="1" fill="hold">
+                                          <p:stCondLst>
+                                            <p:cond delay="0"/>
+                                          </p:stCondLst>
+                                        </p:cTn>
+                                        <p:tgtEl>
+                                          <p:spTgt spid="31"/>
+                                        </p:tgtEl>
+                                        <p:attrNameLst>
+                                          <p:attrName>style.visibility</p:attrName>
+                                        </p:attrNameLst>
+                                      </p:cBhvr>
+                                      <p:to>
+                                        <p:strVal val="visible"/>
+                                      </p:to>
+                                    </p:set>
+                                  </p:childTnLst>
+                                </p:cTn>
+                              </p:par>
+                              <p:par>
+                                <p:cTn id="55" presetID="1" presetClass="entr" presetSubtype="0" fill="hold" nodeType="withEffect">
+                                  <p:stCondLst>
+                                    <p:cond delay="0"/>
+                                  </p:stCondLst>
+                                  <p:childTnLst>
+                                    <p:set>
+                                      <p:cBhvr>
+                                        <p:cTn id="56" dur="1" fill="hold">
+                                          <p:stCondLst>
+                                            <p:cond delay="0"/>
+                                          </p:stCondLst>
+                                        </p:cTn>
+                                        <p:tgtEl>
+                                          <p:spTgt spid="32"/>
+                                        </p:tgtEl>
+                                        <p:attrNameLst>
+                                          <p:attrName>style.visibility</p:attrName>
+                                        </p:attrNameLst>
+                                      </p:cBhvr>
+                                      <p:to>
+                                        <p:strVal val="visible"/>
+                                      </p:to>
+                                    </p:set>
+                                  </p:childTnLst>
+                                </p:cTn>
+                              </p:par>
+                            </p:childTnLst>
+                          </p:cTn>
+                        </p:par>
+                      </p:childTnLst>
+                    </p:cTn>
+                  </p:par>
+                </p:childTnLst>
+              </p:cTn>
+              <p:prevCondLst>
+                <p:cond evt="onPrev" delay="0">
+                  <p:tgtEl>
+                    <p:sldTgt/>
+                  </p:tgtEl>
+                </p:cond>
+              </p:prevCondLst>
+              <p:nextCondLst>
+                <p:cond evt="onNext" delay="0">
+                  <p:tgtEl>
+                    <p:sldTgt/>
+                  </p:tgtEl>
+                </p:cond>
+              </p:nextCondLst>
+            </p:seq>
+          </p:childTnLst>
+        </p:cTn>
+      </p:par>
+    </p:tnLst>
+    <p:bldLst>
+      <p:bldP spid="6" grpId="0"/>
+      <p:bldP spid="11" grpId="0" animBg="1"/>
+      <p:bldP spid="12" grpId="0" animBg="1"/>
+      <p:bldP spid="13" grpId="0" animBg="1"/>
+      <p:bldP spid="14" grpId="0" animBg="1"/>
+      <p:bldP spid="15" grpId="0" animBg="1"/>
+      <p:bldP spid="16" grpId="0" animBg="1"/>
+      <p:bldP spid="17" grpId="0" animBg="1"/>
+      <p:bldP spid="18" grpId="0" animBg="1"/>
+      <p:bldP spid="19" grpId="0" animBg="1"/>
+      <p:bldP spid="20" grpId="0" animBg="1"/>
+      <p:bldP spid="21" grpId="0" animBg="1"/>
+      <p:bldP spid="22" grpId="0" animBg="1"/>
+      <p:bldP spid="23" grpId="0" animBg="1"/>
+      <p:bldP spid="24" grpId="0" animBg="1"/>
+      <p:bldP spid="25" grpId="0" animBg="1"/>
+      <p:bldP spid="26" grpId="0" animBg="1"/>
+      <p:bldP spid="27" grpId="0" animBg="1"/>
+      <p:bldP spid="28" grpId="0" animBg="1"/>
+      <p:bldP spid="29" grpId="0" animBg="1"/>
+      <p:bldP spid="30" grpId="0" animBg="1"/>
     </p:bldLst>
   </p:timing>
 </p:sld>
